--- a/MicrobeeJobs.pptx
+++ b/MicrobeeJobs.pptx
@@ -8,6 +8,12 @@
     <p:sldId id="256" r:id="rId2"/>
     <p:sldId id="257" r:id="rId3"/>
     <p:sldId id="258" r:id="rId4"/>
+    <p:sldId id="259" r:id="rId5"/>
+    <p:sldId id="260" r:id="rId6"/>
+    <p:sldId id="262" r:id="rId7"/>
+    <p:sldId id="263" r:id="rId8"/>
+    <p:sldId id="264" r:id="rId9"/>
+    <p:sldId id="261" r:id="rId10"/>
   </p:sldIdLst>
   <p:sldSz cx="12192000" cy="6858000"/>
   <p:notesSz cx="6858000" cy="9144000"/>
@@ -12650,6 +12656,21 @@
             </a:r>
           </a:p>
           <a:p>
+            <a:pPr lvl="1"/>
+            <a:r>
+              <a:rPr lang="en-US" dirty="0" err="1"/>
+              <a:t>HttpService</a:t>
+            </a:r>
+            <a:endParaRPr lang="en-US" dirty="0"/>
+          </a:p>
+          <a:p>
+            <a:pPr lvl="1"/>
+            <a:r>
+              <a:rPr lang="en-US" dirty="0"/>
+              <a:t>Models</a:t>
+            </a:r>
+          </a:p>
+          <a:p>
             <a:r>
               <a:rPr lang="en-US" dirty="0"/>
               <a:t>MVVM</a:t>
@@ -12679,10 +12700,9 @@
               <a:t>xaml.cs</a:t>
             </a:r>
             <a:r>
-              <a:rPr lang="en-US"/>
+              <a:rPr lang="en-US" dirty="0"/>
               <a:t> files</a:t>
             </a:r>
-            <a:endParaRPr lang="cs-CZ" dirty="0"/>
           </a:p>
         </p:txBody>
       </p:sp>
@@ -12719,6 +12739,2080 @@
     <p:extLst>
       <p:ext uri="{BB962C8B-B14F-4D97-AF65-F5344CB8AC3E}">
         <p14:creationId xmlns:p14="http://schemas.microsoft.com/office/powerpoint/2010/main" val="2265768094"/>
+      </p:ext>
+    </p:extLst>
+  </p:cSld>
+  <p:clrMapOvr>
+    <a:masterClrMapping/>
+  </p:clrMapOvr>
+</p:sld>
+</file>
+
+<file path=ppt/slides/slide4.xml><?xml version="1.0" encoding="utf-8"?>
+<p:sld xmlns:a="http://schemas.openxmlformats.org/drawingml/2006/main" xmlns:r="http://schemas.openxmlformats.org/officeDocument/2006/relationships" xmlns:p="http://schemas.openxmlformats.org/presentationml/2006/main">
+  <p:cSld>
+    <p:spTree>
+      <p:nvGrpSpPr>
+        <p:cNvPr id="1" name=""/>
+        <p:cNvGrpSpPr/>
+        <p:nvPr/>
+      </p:nvGrpSpPr>
+      <p:grpSpPr>
+        <a:xfrm>
+          <a:off x="0" y="0"/>
+          <a:ext cx="0" cy="0"/>
+          <a:chOff x="0" y="0"/>
+          <a:chExt cx="0" cy="0"/>
+        </a:xfrm>
+      </p:grpSpPr>
+      <p:sp>
+        <p:nvSpPr>
+          <p:cNvPr id="2" name="Nadpis 1">
+            <a:extLst>
+              <a:ext uri="{FF2B5EF4-FFF2-40B4-BE49-F238E27FC236}">
+                <a16:creationId xmlns:a16="http://schemas.microsoft.com/office/drawing/2014/main" id="{4AB2440C-538E-47BA-8A40-1E8ACC099F64}"/>
+              </a:ext>
+            </a:extLst>
+          </p:cNvPr>
+          <p:cNvSpPr>
+            <a:spLocks noGrp="1"/>
+          </p:cNvSpPr>
+          <p:nvPr>
+            <p:ph type="title"/>
+          </p:nvPr>
+        </p:nvSpPr>
+        <p:spPr/>
+        <p:txBody>
+          <a:bodyPr/>
+          <a:lstStyle/>
+          <a:p>
+            <a:r>
+              <a:rPr lang="en-US" dirty="0" err="1"/>
+              <a:t>Httpservice</a:t>
+            </a:r>
+            <a:endParaRPr lang="cs-CZ" dirty="0"/>
+          </a:p>
+        </p:txBody>
+      </p:sp>
+      <p:sp>
+        <p:nvSpPr>
+          <p:cNvPr id="3" name="Zástupný symbol pro obsah 2">
+            <a:extLst>
+              <a:ext uri="{FF2B5EF4-FFF2-40B4-BE49-F238E27FC236}">
+                <a16:creationId xmlns:a16="http://schemas.microsoft.com/office/drawing/2014/main" id="{B60C13D5-F4FB-415F-B3DE-4D640D179104}"/>
+              </a:ext>
+            </a:extLst>
+          </p:cNvPr>
+          <p:cNvSpPr>
+            <a:spLocks noGrp="1"/>
+          </p:cNvSpPr>
+          <p:nvPr>
+            <p:ph idx="1"/>
+          </p:nvPr>
+        </p:nvSpPr>
+        <p:spPr>
+          <a:xfrm>
+            <a:off x="1141412" y="1775637"/>
+            <a:ext cx="9905999" cy="4015564"/>
+          </a:xfrm>
+        </p:spPr>
+        <p:txBody>
+          <a:bodyPr>
+            <a:normAutofit fontScale="85000" lnSpcReduction="20000"/>
+          </a:bodyPr>
+          <a:lstStyle/>
+          <a:p>
+            <a:pPr marL="0" indent="0">
+              <a:buNone/>
+            </a:pPr>
+            <a:r>
+              <a:rPr lang="en-US" i="1" dirty="0"/>
+              <a:t>public </a:t>
+            </a:r>
+            <a:r>
+              <a:rPr lang="en-US" i="1" dirty="0">
+                <a:solidFill>
+                  <a:schemeClr val="accent6">
+                    <a:lumMod val="75000"/>
+                  </a:schemeClr>
+                </a:solidFill>
+              </a:rPr>
+              <a:t>bool</a:t>
+            </a:r>
+            <a:r>
+              <a:rPr lang="en-US" i="1" dirty="0"/>
+              <a:t> </a:t>
+            </a:r>
+            <a:r>
+              <a:rPr lang="en-US" i="1" dirty="0">
+                <a:solidFill>
+                  <a:schemeClr val="accent2">
+                    <a:lumMod val="75000"/>
+                  </a:schemeClr>
+                </a:solidFill>
+              </a:rPr>
+              <a:t>Authenticated</a:t>
+            </a:r>
+            <a:r>
+              <a:rPr lang="en-US" i="1" dirty="0"/>
+              <a:t> { get; private set; }</a:t>
+            </a:r>
+            <a:br>
+              <a:rPr lang="en-US" i="1" dirty="0"/>
+            </a:br>
+            <a:r>
+              <a:rPr lang="en-US" i="1" dirty="0"/>
+              <a:t>public </a:t>
+            </a:r>
+            <a:r>
+              <a:rPr lang="en-US" i="1" dirty="0">
+                <a:solidFill>
+                  <a:schemeClr val="accent6">
+                    <a:lumMod val="75000"/>
+                  </a:schemeClr>
+                </a:solidFill>
+              </a:rPr>
+              <a:t>string</a:t>
+            </a:r>
+            <a:r>
+              <a:rPr lang="en-US" i="1" dirty="0"/>
+              <a:t> </a:t>
+            </a:r>
+            <a:r>
+              <a:rPr lang="en-US" i="1" dirty="0">
+                <a:solidFill>
+                  <a:schemeClr val="accent2">
+                    <a:lumMod val="75000"/>
+                  </a:schemeClr>
+                </a:solidFill>
+              </a:rPr>
+              <a:t>Username</a:t>
+            </a:r>
+            <a:r>
+              <a:rPr lang="en-US" i="1" dirty="0"/>
+              <a:t> { get; private set; }</a:t>
+            </a:r>
+            <a:br>
+              <a:rPr lang="en-US" i="1" dirty="0"/>
+            </a:br>
+            <a:r>
+              <a:rPr lang="en-US" i="1" dirty="0"/>
+              <a:t>public async </a:t>
+            </a:r>
+            <a:r>
+              <a:rPr lang="en-US" i="1" dirty="0">
+                <a:solidFill>
+                  <a:schemeClr val="accent6">
+                    <a:lumMod val="60000"/>
+                    <a:lumOff val="40000"/>
+                  </a:schemeClr>
+                </a:solidFill>
+              </a:rPr>
+              <a:t>Task</a:t>
+            </a:r>
+            <a:r>
+              <a:rPr lang="en-US" i="1" dirty="0"/>
+              <a:t>&lt;</a:t>
+            </a:r>
+            <a:r>
+              <a:rPr lang="en-US" i="1" dirty="0">
+                <a:solidFill>
+                  <a:schemeClr val="accent6">
+                    <a:lumMod val="75000"/>
+                  </a:schemeClr>
+                </a:solidFill>
+              </a:rPr>
+              <a:t>bool</a:t>
+            </a:r>
+            <a:r>
+              <a:rPr lang="en-US" i="1" dirty="0"/>
+              <a:t>&gt; </a:t>
+            </a:r>
+            <a:r>
+              <a:rPr lang="en-US" i="1" dirty="0" err="1">
+                <a:solidFill>
+                  <a:schemeClr val="accent2">
+                    <a:lumMod val="75000"/>
+                  </a:schemeClr>
+                </a:solidFill>
+              </a:rPr>
+              <a:t>TryLoginAsync</a:t>
+            </a:r>
+            <a:r>
+              <a:rPr lang="en-US" i="1" dirty="0"/>
+              <a:t>()</a:t>
+            </a:r>
+            <a:br>
+              <a:rPr lang="en-US" i="1" dirty="0"/>
+            </a:br>
+            <a:r>
+              <a:rPr lang="cs-CZ" i="1" dirty="0"/>
+              <a:t>public </a:t>
+            </a:r>
+            <a:r>
+              <a:rPr lang="cs-CZ" i="1" dirty="0" err="1"/>
+              <a:t>async</a:t>
+            </a:r>
+            <a:r>
+              <a:rPr lang="cs-CZ" i="1" dirty="0"/>
+              <a:t> </a:t>
+            </a:r>
+            <a:r>
+              <a:rPr lang="cs-CZ" i="1" dirty="0" err="1">
+                <a:solidFill>
+                  <a:schemeClr val="accent6">
+                    <a:lumMod val="60000"/>
+                    <a:lumOff val="40000"/>
+                  </a:schemeClr>
+                </a:solidFill>
+              </a:rPr>
+              <a:t>Task</a:t>
+            </a:r>
+            <a:r>
+              <a:rPr lang="cs-CZ" i="1" dirty="0"/>
+              <a:t> </a:t>
+            </a:r>
+            <a:r>
+              <a:rPr lang="cs-CZ" i="1" dirty="0" err="1">
+                <a:solidFill>
+                  <a:schemeClr val="accent2">
+                    <a:lumMod val="75000"/>
+                  </a:schemeClr>
+                </a:solidFill>
+              </a:rPr>
+              <a:t>LoginAsync</a:t>
+            </a:r>
+            <a:r>
+              <a:rPr lang="cs-CZ" i="1" dirty="0"/>
+              <a:t>(</a:t>
+            </a:r>
+            <a:r>
+              <a:rPr lang="cs-CZ" i="1" dirty="0" err="1"/>
+              <a:t>LoginModel</a:t>
+            </a:r>
+            <a:r>
+              <a:rPr lang="cs-CZ" i="1" dirty="0"/>
+              <a:t> model)</a:t>
+            </a:r>
+            <a:br>
+              <a:rPr lang="en-US" i="1" dirty="0"/>
+            </a:br>
+            <a:r>
+              <a:rPr lang="cs-CZ" i="1" dirty="0"/>
+              <a:t>public </a:t>
+            </a:r>
+            <a:r>
+              <a:rPr lang="cs-CZ" i="1" dirty="0" err="1">
+                <a:solidFill>
+                  <a:schemeClr val="accent6">
+                    <a:lumMod val="75000"/>
+                  </a:schemeClr>
+                </a:solidFill>
+              </a:rPr>
+              <a:t>void</a:t>
+            </a:r>
+            <a:r>
+              <a:rPr lang="cs-CZ" i="1" dirty="0"/>
+              <a:t> </a:t>
+            </a:r>
+            <a:r>
+              <a:rPr lang="cs-CZ" i="1" dirty="0" err="1">
+                <a:solidFill>
+                  <a:schemeClr val="accent2">
+                    <a:lumMod val="75000"/>
+                  </a:schemeClr>
+                </a:solidFill>
+              </a:rPr>
+              <a:t>Logout</a:t>
+            </a:r>
+            <a:r>
+              <a:rPr lang="cs-CZ" i="1" dirty="0"/>
+              <a:t>()</a:t>
+            </a:r>
+            <a:br>
+              <a:rPr lang="en-US" i="1" dirty="0"/>
+            </a:br>
+            <a:r>
+              <a:rPr lang="cs-CZ" i="1" dirty="0"/>
+              <a:t>public </a:t>
+            </a:r>
+            <a:r>
+              <a:rPr lang="cs-CZ" i="1" dirty="0" err="1"/>
+              <a:t>async</a:t>
+            </a:r>
+            <a:r>
+              <a:rPr lang="cs-CZ" i="1" dirty="0"/>
+              <a:t> </a:t>
+            </a:r>
+            <a:r>
+              <a:rPr lang="cs-CZ" i="1" dirty="0" err="1">
+                <a:solidFill>
+                  <a:schemeClr val="accent6">
+                    <a:lumMod val="60000"/>
+                    <a:lumOff val="40000"/>
+                  </a:schemeClr>
+                </a:solidFill>
+              </a:rPr>
+              <a:t>Task</a:t>
+            </a:r>
+            <a:r>
+              <a:rPr lang="cs-CZ" i="1" dirty="0"/>
+              <a:t> </a:t>
+            </a:r>
+            <a:r>
+              <a:rPr lang="cs-CZ" i="1" dirty="0" err="1">
+                <a:solidFill>
+                  <a:schemeClr val="accent2">
+                    <a:lumMod val="75000"/>
+                  </a:schemeClr>
+                </a:solidFill>
+              </a:rPr>
+              <a:t>RegisterAsync</a:t>
+            </a:r>
+            <a:r>
+              <a:rPr lang="cs-CZ" i="1" dirty="0"/>
+              <a:t>(</a:t>
+            </a:r>
+            <a:r>
+              <a:rPr lang="cs-CZ" i="1" dirty="0" err="1"/>
+              <a:t>RegisterModel</a:t>
+            </a:r>
+            <a:r>
+              <a:rPr lang="cs-CZ" i="1" dirty="0"/>
+              <a:t> model)</a:t>
+            </a:r>
+            <a:endParaRPr lang="en-US" i="1" dirty="0"/>
+          </a:p>
+          <a:p>
+            <a:pPr marL="0" indent="0">
+              <a:buNone/>
+            </a:pPr>
+            <a:r>
+              <a:rPr lang="en-US" i="1" dirty="0"/>
+              <a:t>public async </a:t>
+            </a:r>
+            <a:r>
+              <a:rPr lang="en-US" i="1" dirty="0">
+                <a:solidFill>
+                  <a:schemeClr val="accent6">
+                    <a:lumMod val="60000"/>
+                    <a:lumOff val="40000"/>
+                  </a:schemeClr>
+                </a:solidFill>
+              </a:rPr>
+              <a:t>Task</a:t>
+            </a:r>
+            <a:r>
+              <a:rPr lang="en-US" i="1" dirty="0"/>
+              <a:t>&lt;</a:t>
+            </a:r>
+            <a:r>
+              <a:rPr lang="en-US" i="1" dirty="0">
+                <a:solidFill>
+                  <a:schemeClr val="accent6">
+                    <a:lumMod val="75000"/>
+                  </a:schemeClr>
+                </a:solidFill>
+              </a:rPr>
+              <a:t>T</a:t>
+            </a:r>
+            <a:r>
+              <a:rPr lang="en-US" i="1" dirty="0"/>
+              <a:t>&gt; </a:t>
+            </a:r>
+            <a:r>
+              <a:rPr lang="en-US" i="1" dirty="0" err="1">
+                <a:solidFill>
+                  <a:schemeClr val="accent2">
+                    <a:lumMod val="75000"/>
+                  </a:schemeClr>
+                </a:solidFill>
+              </a:rPr>
+              <a:t>GetAsync</a:t>
+            </a:r>
+            <a:r>
+              <a:rPr lang="en-US" i="1" dirty="0"/>
+              <a:t>&lt;</a:t>
+            </a:r>
+            <a:r>
+              <a:rPr lang="en-US" i="1" dirty="0">
+                <a:solidFill>
+                  <a:schemeClr val="accent6">
+                    <a:lumMod val="75000"/>
+                  </a:schemeClr>
+                </a:solidFill>
+              </a:rPr>
+              <a:t>T</a:t>
+            </a:r>
+            <a:r>
+              <a:rPr lang="en-US" i="1" dirty="0"/>
+              <a:t>&gt;(string path, List&lt;</a:t>
+            </a:r>
+            <a:r>
+              <a:rPr lang="en-US" i="1" dirty="0" err="1"/>
+              <a:t>KeyValuePair</a:t>
+            </a:r>
+            <a:r>
+              <a:rPr lang="en-US" i="1" dirty="0"/>
+              <a:t>&lt;string, object&gt;&gt; parameters = null, bool authorize = false)</a:t>
+            </a:r>
+          </a:p>
+          <a:p>
+            <a:pPr marL="0" indent="0">
+              <a:buNone/>
+            </a:pPr>
+            <a:r>
+              <a:rPr lang="cs-CZ" i="1" dirty="0"/>
+              <a:t>public </a:t>
+            </a:r>
+            <a:r>
+              <a:rPr lang="cs-CZ" i="1" dirty="0" err="1"/>
+              <a:t>async</a:t>
+            </a:r>
+            <a:r>
+              <a:rPr lang="cs-CZ" i="1" dirty="0"/>
+              <a:t> </a:t>
+            </a:r>
+            <a:r>
+              <a:rPr lang="cs-CZ" i="1" dirty="0" err="1">
+                <a:solidFill>
+                  <a:schemeClr val="accent6">
+                    <a:lumMod val="60000"/>
+                    <a:lumOff val="40000"/>
+                  </a:schemeClr>
+                </a:solidFill>
+              </a:rPr>
+              <a:t>Task</a:t>
+            </a:r>
+            <a:r>
+              <a:rPr lang="cs-CZ" i="1" dirty="0"/>
+              <a:t> </a:t>
+            </a:r>
+            <a:r>
+              <a:rPr lang="cs-CZ" i="1" dirty="0" err="1">
+                <a:solidFill>
+                  <a:schemeClr val="accent2">
+                    <a:lumMod val="75000"/>
+                  </a:schemeClr>
+                </a:solidFill>
+              </a:rPr>
+              <a:t>PostAsync</a:t>
+            </a:r>
+            <a:r>
+              <a:rPr lang="cs-CZ" i="1" dirty="0"/>
+              <a:t>&lt;</a:t>
+            </a:r>
+            <a:r>
+              <a:rPr lang="cs-CZ" i="1" dirty="0">
+                <a:solidFill>
+                  <a:schemeClr val="accent6">
+                    <a:lumMod val="75000"/>
+                  </a:schemeClr>
+                </a:solidFill>
+              </a:rPr>
+              <a:t>T</a:t>
+            </a:r>
+            <a:r>
+              <a:rPr lang="cs-CZ" i="1" dirty="0"/>
+              <a:t>&gt;(</a:t>
+            </a:r>
+            <a:r>
+              <a:rPr lang="cs-CZ" i="1" dirty="0" err="1"/>
+              <a:t>string</a:t>
+            </a:r>
+            <a:r>
+              <a:rPr lang="cs-CZ" i="1" dirty="0"/>
+              <a:t> </a:t>
+            </a:r>
+            <a:r>
+              <a:rPr lang="cs-CZ" i="1" dirty="0" err="1"/>
+              <a:t>path</a:t>
+            </a:r>
+            <a:r>
+              <a:rPr lang="cs-CZ" i="1" dirty="0"/>
+              <a:t>, </a:t>
+            </a:r>
+            <a:r>
+              <a:rPr lang="cs-CZ" i="1" dirty="0">
+                <a:solidFill>
+                  <a:schemeClr val="accent6">
+                    <a:lumMod val="75000"/>
+                  </a:schemeClr>
+                </a:solidFill>
+              </a:rPr>
+              <a:t>T</a:t>
+            </a:r>
+            <a:r>
+              <a:rPr lang="cs-CZ" i="1" dirty="0"/>
+              <a:t> </a:t>
+            </a:r>
+            <a:r>
+              <a:rPr lang="cs-CZ" i="1" dirty="0" err="1"/>
+              <a:t>item</a:t>
+            </a:r>
+            <a:r>
+              <a:rPr lang="cs-CZ" i="1" dirty="0"/>
+              <a:t>, List&lt;</a:t>
+            </a:r>
+            <a:r>
+              <a:rPr lang="cs-CZ" i="1" dirty="0" err="1"/>
+              <a:t>KeyValuePair</a:t>
+            </a:r>
+            <a:r>
+              <a:rPr lang="cs-CZ" i="1" dirty="0"/>
+              <a:t>&lt;</a:t>
+            </a:r>
+            <a:r>
+              <a:rPr lang="cs-CZ" i="1" dirty="0" err="1"/>
+              <a:t>string</a:t>
+            </a:r>
+            <a:r>
+              <a:rPr lang="cs-CZ" i="1" dirty="0"/>
+              <a:t>, </a:t>
+            </a:r>
+            <a:r>
+              <a:rPr lang="cs-CZ" i="1" dirty="0" err="1"/>
+              <a:t>object</a:t>
+            </a:r>
+            <a:r>
+              <a:rPr lang="cs-CZ" i="1" dirty="0"/>
+              <a:t>&gt;&gt; </a:t>
+            </a:r>
+            <a:r>
+              <a:rPr lang="cs-CZ" i="1" dirty="0" err="1"/>
+              <a:t>parameters</a:t>
+            </a:r>
+            <a:r>
+              <a:rPr lang="cs-CZ" i="1" dirty="0"/>
+              <a:t> = </a:t>
+            </a:r>
+            <a:r>
+              <a:rPr lang="cs-CZ" i="1" dirty="0" err="1"/>
+              <a:t>null</a:t>
+            </a:r>
+            <a:r>
+              <a:rPr lang="cs-CZ" i="1" dirty="0"/>
+              <a:t>, </a:t>
+            </a:r>
+            <a:r>
+              <a:rPr lang="cs-CZ" i="1" dirty="0" err="1"/>
+              <a:t>bool</a:t>
+            </a:r>
+            <a:r>
+              <a:rPr lang="cs-CZ" i="1" dirty="0"/>
+              <a:t> </a:t>
+            </a:r>
+            <a:r>
+              <a:rPr lang="cs-CZ" i="1" dirty="0" err="1"/>
+              <a:t>authorize</a:t>
+            </a:r>
+            <a:r>
+              <a:rPr lang="cs-CZ" i="1" dirty="0"/>
+              <a:t> = </a:t>
+            </a:r>
+            <a:r>
+              <a:rPr lang="cs-CZ" i="1" dirty="0" err="1"/>
+              <a:t>false</a:t>
+            </a:r>
+            <a:r>
+              <a:rPr lang="cs-CZ" i="1" dirty="0"/>
+              <a:t>)</a:t>
+            </a:r>
+            <a:endParaRPr lang="en-US" i="1" dirty="0"/>
+          </a:p>
+          <a:p>
+            <a:pPr marL="0" indent="0">
+              <a:buNone/>
+            </a:pPr>
+            <a:r>
+              <a:rPr lang="en-US" i="1" dirty="0"/>
+              <a:t>…</a:t>
+            </a:r>
+          </a:p>
+        </p:txBody>
+      </p:sp>
+    </p:spTree>
+    <p:extLst>
+      <p:ext uri="{BB962C8B-B14F-4D97-AF65-F5344CB8AC3E}">
+        <p14:creationId xmlns:p14="http://schemas.microsoft.com/office/powerpoint/2010/main" val="2763299158"/>
+      </p:ext>
+    </p:extLst>
+  </p:cSld>
+  <p:clrMapOvr>
+    <a:masterClrMapping/>
+  </p:clrMapOvr>
+</p:sld>
+</file>
+
+<file path=ppt/slides/slide5.xml><?xml version="1.0" encoding="utf-8"?>
+<p:sld xmlns:a="http://schemas.openxmlformats.org/drawingml/2006/main" xmlns:r="http://schemas.openxmlformats.org/officeDocument/2006/relationships" xmlns:p="http://schemas.openxmlformats.org/presentationml/2006/main">
+  <p:cSld>
+    <p:spTree>
+      <p:nvGrpSpPr>
+        <p:cNvPr id="1" name=""/>
+        <p:cNvGrpSpPr/>
+        <p:nvPr/>
+      </p:nvGrpSpPr>
+      <p:grpSpPr>
+        <a:xfrm>
+          <a:off x="0" y="0"/>
+          <a:ext cx="0" cy="0"/>
+          <a:chOff x="0" y="0"/>
+          <a:chExt cx="0" cy="0"/>
+        </a:xfrm>
+      </p:grpSpPr>
+      <p:sp>
+        <p:nvSpPr>
+          <p:cNvPr id="2" name="Nadpis 1">
+            <a:extLst>
+              <a:ext uri="{FF2B5EF4-FFF2-40B4-BE49-F238E27FC236}">
+                <a16:creationId xmlns:a16="http://schemas.microsoft.com/office/drawing/2014/main" id="{F92A1F69-C4E4-4E5C-9305-9F43D5C3D767}"/>
+              </a:ext>
+            </a:extLst>
+          </p:cNvPr>
+          <p:cNvSpPr>
+            <a:spLocks noGrp="1"/>
+          </p:cNvSpPr>
+          <p:nvPr>
+            <p:ph type="title"/>
+          </p:nvPr>
+        </p:nvSpPr>
+        <p:spPr>
+          <a:xfrm>
+            <a:off x="1141413" y="618518"/>
+            <a:ext cx="9905998" cy="1478570"/>
+          </a:xfrm>
+        </p:spPr>
+        <p:txBody>
+          <a:bodyPr/>
+          <a:lstStyle/>
+          <a:p>
+            <a:r>
+              <a:rPr lang="en-US" dirty="0"/>
+              <a:t>Asp.NET Core Web API</a:t>
+            </a:r>
+            <a:endParaRPr lang="cs-CZ" dirty="0"/>
+          </a:p>
+        </p:txBody>
+      </p:sp>
+      <p:sp>
+        <p:nvSpPr>
+          <p:cNvPr id="3" name="Zástupný symbol pro obsah 2">
+            <a:extLst>
+              <a:ext uri="{FF2B5EF4-FFF2-40B4-BE49-F238E27FC236}">
+                <a16:creationId xmlns:a16="http://schemas.microsoft.com/office/drawing/2014/main" id="{DC8D51B7-7F87-4322-BC20-1617DFA794F2}"/>
+              </a:ext>
+            </a:extLst>
+          </p:cNvPr>
+          <p:cNvSpPr>
+            <a:spLocks noGrp="1"/>
+          </p:cNvSpPr>
+          <p:nvPr>
+            <p:ph idx="1"/>
+          </p:nvPr>
+        </p:nvSpPr>
+        <p:spPr>
+          <a:xfrm>
+            <a:off x="1141412" y="2097088"/>
+            <a:ext cx="9905999" cy="3959155"/>
+          </a:xfrm>
+        </p:spPr>
+        <p:txBody>
+          <a:bodyPr>
+            <a:normAutofit/>
+          </a:bodyPr>
+          <a:lstStyle/>
+          <a:p>
+            <a:r>
+              <a:rPr lang="en-US" dirty="0"/>
+              <a:t>Controllers</a:t>
+            </a:r>
+          </a:p>
+          <a:p>
+            <a:r>
+              <a:rPr lang="en-US" dirty="0"/>
+              <a:t>DAL</a:t>
+            </a:r>
+          </a:p>
+          <a:p>
+            <a:pPr lvl="1"/>
+            <a:r>
+              <a:rPr lang="en-US" dirty="0"/>
+              <a:t>Repositories</a:t>
+            </a:r>
+          </a:p>
+          <a:p>
+            <a:pPr lvl="1"/>
+            <a:r>
+              <a:rPr lang="en-US" dirty="0"/>
+              <a:t>Context</a:t>
+            </a:r>
+          </a:p>
+          <a:p>
+            <a:r>
+              <a:rPr lang="en-US" dirty="0"/>
+              <a:t>Migrations</a:t>
+            </a:r>
+          </a:p>
+          <a:p>
+            <a:r>
+              <a:rPr lang="en-US" dirty="0"/>
+              <a:t>Models</a:t>
+            </a:r>
+          </a:p>
+          <a:p>
+            <a:r>
+              <a:rPr lang="en-US" dirty="0"/>
+              <a:t>Services</a:t>
+            </a:r>
+          </a:p>
+        </p:txBody>
+      </p:sp>
+      <p:pic>
+        <p:nvPicPr>
+          <p:cNvPr id="4" name="Obrázek 3">
+            <a:extLst>
+              <a:ext uri="{FF2B5EF4-FFF2-40B4-BE49-F238E27FC236}">
+                <a16:creationId xmlns:a16="http://schemas.microsoft.com/office/drawing/2014/main" id="{0A5AF75D-87BD-4625-9157-6D087BC4CA76}"/>
+              </a:ext>
+            </a:extLst>
+          </p:cNvPr>
+          <p:cNvPicPr>
+            <a:picLocks noChangeAspect="1"/>
+          </p:cNvPicPr>
+          <p:nvPr/>
+        </p:nvPicPr>
+        <p:blipFill rotWithShape="1">
+          <a:blip r:embed="rId2"/>
+          <a:srcRect l="82114" t="40773" r="2419" b="22511"/>
+          <a:stretch/>
+        </p:blipFill>
+        <p:spPr>
+          <a:xfrm>
+            <a:off x="7480983" y="1066799"/>
+            <a:ext cx="3566428" cy="5172683"/>
+          </a:xfrm>
+          <a:prstGeom prst="rect">
+            <a:avLst/>
+          </a:prstGeom>
+        </p:spPr>
+      </p:pic>
+    </p:spTree>
+    <p:extLst>
+      <p:ext uri="{BB962C8B-B14F-4D97-AF65-F5344CB8AC3E}">
+        <p14:creationId xmlns:p14="http://schemas.microsoft.com/office/powerpoint/2010/main" val="501695164"/>
+      </p:ext>
+    </p:extLst>
+  </p:cSld>
+  <p:clrMapOvr>
+    <a:masterClrMapping/>
+  </p:clrMapOvr>
+</p:sld>
+</file>
+
+<file path=ppt/slides/slide6.xml><?xml version="1.0" encoding="utf-8"?>
+<p:sld xmlns:a="http://schemas.openxmlformats.org/drawingml/2006/main" xmlns:r="http://schemas.openxmlformats.org/officeDocument/2006/relationships" xmlns:p="http://schemas.openxmlformats.org/presentationml/2006/main">
+  <p:cSld>
+    <p:spTree>
+      <p:nvGrpSpPr>
+        <p:cNvPr id="1" name=""/>
+        <p:cNvGrpSpPr/>
+        <p:nvPr/>
+      </p:nvGrpSpPr>
+      <p:grpSpPr>
+        <a:xfrm>
+          <a:off x="0" y="0"/>
+          <a:ext cx="0" cy="0"/>
+          <a:chOff x="0" y="0"/>
+          <a:chExt cx="0" cy="0"/>
+        </a:xfrm>
+      </p:grpSpPr>
+      <p:sp>
+        <p:nvSpPr>
+          <p:cNvPr id="2" name="Nadpis 1">
+            <a:extLst>
+              <a:ext uri="{FF2B5EF4-FFF2-40B4-BE49-F238E27FC236}">
+                <a16:creationId xmlns:a16="http://schemas.microsoft.com/office/drawing/2014/main" id="{BAB0C4AB-F3E0-48F8-B36F-44435D67DC93}"/>
+              </a:ext>
+            </a:extLst>
+          </p:cNvPr>
+          <p:cNvSpPr>
+            <a:spLocks noGrp="1"/>
+          </p:cNvSpPr>
+          <p:nvPr>
+            <p:ph type="title"/>
+          </p:nvPr>
+        </p:nvSpPr>
+        <p:spPr/>
+        <p:txBody>
+          <a:bodyPr/>
+          <a:lstStyle/>
+          <a:p>
+            <a:r>
+              <a:rPr lang="en-US" dirty="0"/>
+              <a:t>Service example</a:t>
+            </a:r>
+            <a:endParaRPr lang="cs-CZ" dirty="0"/>
+          </a:p>
+        </p:txBody>
+      </p:sp>
+      <p:sp>
+        <p:nvSpPr>
+          <p:cNvPr id="3" name="Zástupný symbol pro obsah 2">
+            <a:extLst>
+              <a:ext uri="{FF2B5EF4-FFF2-40B4-BE49-F238E27FC236}">
+                <a16:creationId xmlns:a16="http://schemas.microsoft.com/office/drawing/2014/main" id="{C8BFB79A-2EA6-473F-BC8E-4D0FBB20DBFD}"/>
+              </a:ext>
+            </a:extLst>
+          </p:cNvPr>
+          <p:cNvSpPr>
+            <a:spLocks noGrp="1"/>
+          </p:cNvSpPr>
+          <p:nvPr>
+            <p:ph idx="1"/>
+          </p:nvPr>
+        </p:nvSpPr>
+        <p:spPr/>
+        <p:txBody>
+          <a:bodyPr/>
+          <a:lstStyle/>
+          <a:p>
+            <a:r>
+              <a:rPr lang="en-US" dirty="0"/>
+              <a:t>CRUD operations</a:t>
+            </a:r>
+          </a:p>
+          <a:p>
+            <a:r>
+              <a:rPr lang="en-US" dirty="0"/>
+              <a:t>Dependency injection</a:t>
+            </a:r>
+            <a:endParaRPr lang="cs-CZ" dirty="0"/>
+          </a:p>
+        </p:txBody>
+      </p:sp>
+      <p:pic>
+        <p:nvPicPr>
+          <p:cNvPr id="4" name="Obrázek 3">
+            <a:extLst>
+              <a:ext uri="{FF2B5EF4-FFF2-40B4-BE49-F238E27FC236}">
+                <a16:creationId xmlns:a16="http://schemas.microsoft.com/office/drawing/2014/main" id="{7D0F944D-D6D1-41F0-90FB-6B48FB24D403}"/>
+              </a:ext>
+            </a:extLst>
+          </p:cNvPr>
+          <p:cNvPicPr>
+            <a:picLocks noChangeAspect="1"/>
+          </p:cNvPicPr>
+          <p:nvPr/>
+        </p:nvPicPr>
+        <p:blipFill rotWithShape="1">
+          <a:blip r:embed="rId2"/>
+          <a:srcRect l="6766" t="22070" r="70424" b="51386"/>
+          <a:stretch/>
+        </p:blipFill>
+        <p:spPr>
+          <a:xfrm>
+            <a:off x="4899019" y="2055469"/>
+            <a:ext cx="5526155" cy="3929749"/>
+          </a:xfrm>
+          <a:prstGeom prst="rect">
+            <a:avLst/>
+          </a:prstGeom>
+        </p:spPr>
+      </p:pic>
+    </p:spTree>
+    <p:extLst>
+      <p:ext uri="{BB962C8B-B14F-4D97-AF65-F5344CB8AC3E}">
+        <p14:creationId xmlns:p14="http://schemas.microsoft.com/office/powerpoint/2010/main" val="852828140"/>
+      </p:ext>
+    </p:extLst>
+  </p:cSld>
+  <p:clrMapOvr>
+    <a:masterClrMapping/>
+  </p:clrMapOvr>
+</p:sld>
+</file>
+
+<file path=ppt/slides/slide7.xml><?xml version="1.0" encoding="utf-8"?>
+<p:sld xmlns:a="http://schemas.openxmlformats.org/drawingml/2006/main" xmlns:r="http://schemas.openxmlformats.org/officeDocument/2006/relationships" xmlns:p="http://schemas.openxmlformats.org/presentationml/2006/main">
+  <p:cSld>
+    <p:spTree>
+      <p:nvGrpSpPr>
+        <p:cNvPr id="1" name=""/>
+        <p:cNvGrpSpPr/>
+        <p:nvPr/>
+      </p:nvGrpSpPr>
+      <p:grpSpPr>
+        <a:xfrm>
+          <a:off x="0" y="0"/>
+          <a:ext cx="0" cy="0"/>
+          <a:chOff x="0" y="0"/>
+          <a:chExt cx="0" cy="0"/>
+        </a:xfrm>
+      </p:grpSpPr>
+      <p:sp>
+        <p:nvSpPr>
+          <p:cNvPr id="2" name="Nadpis 1">
+            <a:extLst>
+              <a:ext uri="{FF2B5EF4-FFF2-40B4-BE49-F238E27FC236}">
+                <a16:creationId xmlns:a16="http://schemas.microsoft.com/office/drawing/2014/main" id="{41D5A28C-B302-4D31-AFFF-82D39D0C0EF1}"/>
+              </a:ext>
+            </a:extLst>
+          </p:cNvPr>
+          <p:cNvSpPr>
+            <a:spLocks noGrp="1"/>
+          </p:cNvSpPr>
+          <p:nvPr>
+            <p:ph type="title"/>
+          </p:nvPr>
+        </p:nvSpPr>
+        <p:spPr/>
+        <p:txBody>
+          <a:bodyPr/>
+          <a:lstStyle/>
+          <a:p>
+            <a:r>
+              <a:rPr lang="en-US" dirty="0"/>
+              <a:t>Models</a:t>
+            </a:r>
+            <a:endParaRPr lang="cs-CZ" dirty="0"/>
+          </a:p>
+        </p:txBody>
+      </p:sp>
+      <p:sp>
+        <p:nvSpPr>
+          <p:cNvPr id="3" name="Zástupný symbol pro obsah 2">
+            <a:extLst>
+              <a:ext uri="{FF2B5EF4-FFF2-40B4-BE49-F238E27FC236}">
+                <a16:creationId xmlns:a16="http://schemas.microsoft.com/office/drawing/2014/main" id="{24C996EF-27A5-493C-90F6-F3F749C4DC5D}"/>
+              </a:ext>
+            </a:extLst>
+          </p:cNvPr>
+          <p:cNvSpPr>
+            <a:spLocks noGrp="1"/>
+          </p:cNvSpPr>
+          <p:nvPr>
+            <p:ph idx="1"/>
+          </p:nvPr>
+        </p:nvSpPr>
+        <p:spPr/>
+        <p:txBody>
+          <a:bodyPr/>
+          <a:lstStyle/>
+          <a:p>
+            <a:endParaRPr lang="cs-CZ" dirty="0"/>
+          </a:p>
+        </p:txBody>
+      </p:sp>
+      <p:sp>
+        <p:nvSpPr>
+          <p:cNvPr id="4" name="Obdélník: se zakulacenými rohy 3">
+            <a:extLst>
+              <a:ext uri="{FF2B5EF4-FFF2-40B4-BE49-F238E27FC236}">
+                <a16:creationId xmlns:a16="http://schemas.microsoft.com/office/drawing/2014/main" id="{320D5960-BD54-48EB-8F79-825940E60BB8}"/>
+              </a:ext>
+            </a:extLst>
+          </p:cNvPr>
+          <p:cNvSpPr/>
+          <p:nvPr/>
+        </p:nvSpPr>
+        <p:spPr>
+          <a:xfrm>
+            <a:off x="1339703" y="3108250"/>
+            <a:ext cx="1594883" cy="2349796"/>
+          </a:xfrm>
+          <a:prstGeom prst="roundRect">
+            <a:avLst/>
+          </a:prstGeom>
+          <a:solidFill>
+            <a:schemeClr val="accent2">
+              <a:lumMod val="75000"/>
+            </a:schemeClr>
+          </a:solidFill>
+        </p:spPr>
+        <p:style>
+          <a:lnRef idx="2">
+            <a:schemeClr val="accent1">
+              <a:shade val="50000"/>
+            </a:schemeClr>
+          </a:lnRef>
+          <a:fillRef idx="1">
+            <a:schemeClr val="accent1"/>
+          </a:fillRef>
+          <a:effectRef idx="0">
+            <a:schemeClr val="accent1"/>
+          </a:effectRef>
+          <a:fontRef idx="minor">
+            <a:schemeClr val="lt1"/>
+          </a:fontRef>
+        </p:style>
+        <p:txBody>
+          <a:bodyPr rtlCol="0" anchor="ctr"/>
+          <a:lstStyle/>
+          <a:p>
+            <a:pPr algn="ctr"/>
+            <a:endParaRPr lang="cs-CZ"/>
+          </a:p>
+        </p:txBody>
+      </p:sp>
+      <p:sp>
+        <p:nvSpPr>
+          <p:cNvPr id="5" name="Obdélník: se zakulacenými rohy 4">
+            <a:extLst>
+              <a:ext uri="{FF2B5EF4-FFF2-40B4-BE49-F238E27FC236}">
+                <a16:creationId xmlns:a16="http://schemas.microsoft.com/office/drawing/2014/main" id="{1276C4CE-DD3C-44C9-A556-8E87DD1EFA05}"/>
+              </a:ext>
+            </a:extLst>
+          </p:cNvPr>
+          <p:cNvSpPr/>
+          <p:nvPr/>
+        </p:nvSpPr>
+        <p:spPr>
+          <a:xfrm>
+            <a:off x="3810001" y="3108250"/>
+            <a:ext cx="1594883" cy="2349796"/>
+          </a:xfrm>
+          <a:prstGeom prst="roundRect">
+            <a:avLst/>
+          </a:prstGeom>
+          <a:solidFill>
+            <a:schemeClr val="accent2">
+              <a:lumMod val="75000"/>
+            </a:schemeClr>
+          </a:solidFill>
+        </p:spPr>
+        <p:style>
+          <a:lnRef idx="2">
+            <a:schemeClr val="accent1">
+              <a:shade val="50000"/>
+            </a:schemeClr>
+          </a:lnRef>
+          <a:fillRef idx="1">
+            <a:schemeClr val="accent1"/>
+          </a:fillRef>
+          <a:effectRef idx="0">
+            <a:schemeClr val="accent1"/>
+          </a:effectRef>
+          <a:fontRef idx="minor">
+            <a:schemeClr val="lt1"/>
+          </a:fontRef>
+        </p:style>
+        <p:txBody>
+          <a:bodyPr rtlCol="0" anchor="ctr"/>
+          <a:lstStyle/>
+          <a:p>
+            <a:pPr algn="ctr"/>
+            <a:endParaRPr lang="cs-CZ"/>
+          </a:p>
+        </p:txBody>
+      </p:sp>
+      <p:sp>
+        <p:nvSpPr>
+          <p:cNvPr id="6" name="Obdélník: se zakulacenými rohy 5">
+            <a:extLst>
+              <a:ext uri="{FF2B5EF4-FFF2-40B4-BE49-F238E27FC236}">
+                <a16:creationId xmlns:a16="http://schemas.microsoft.com/office/drawing/2014/main" id="{993530A8-F476-4C85-982F-DF934FC3717C}"/>
+              </a:ext>
+            </a:extLst>
+          </p:cNvPr>
+          <p:cNvSpPr/>
+          <p:nvPr/>
+        </p:nvSpPr>
+        <p:spPr>
+          <a:xfrm>
+            <a:off x="8328838" y="3127742"/>
+            <a:ext cx="1594883" cy="2349796"/>
+          </a:xfrm>
+          <a:prstGeom prst="roundRect">
+            <a:avLst/>
+          </a:prstGeom>
+          <a:solidFill>
+            <a:schemeClr val="accent2">
+              <a:lumMod val="75000"/>
+            </a:schemeClr>
+          </a:solidFill>
+        </p:spPr>
+        <p:style>
+          <a:lnRef idx="2">
+            <a:schemeClr val="accent1">
+              <a:shade val="50000"/>
+            </a:schemeClr>
+          </a:lnRef>
+          <a:fillRef idx="1">
+            <a:schemeClr val="accent1"/>
+          </a:fillRef>
+          <a:effectRef idx="0">
+            <a:schemeClr val="accent1"/>
+          </a:effectRef>
+          <a:fontRef idx="minor">
+            <a:schemeClr val="lt1"/>
+          </a:fontRef>
+        </p:style>
+        <p:txBody>
+          <a:bodyPr rtlCol="0" anchor="ctr"/>
+          <a:lstStyle/>
+          <a:p>
+            <a:pPr algn="ctr"/>
+            <a:endParaRPr lang="cs-CZ"/>
+          </a:p>
+        </p:txBody>
+      </p:sp>
+      <p:sp>
+        <p:nvSpPr>
+          <p:cNvPr id="7" name="Obdélník: se zakulacenými rohy 6">
+            <a:extLst>
+              <a:ext uri="{FF2B5EF4-FFF2-40B4-BE49-F238E27FC236}">
+                <a16:creationId xmlns:a16="http://schemas.microsoft.com/office/drawing/2014/main" id="{EA9460CC-565D-4F6B-AA83-AAA0A8C5C787}"/>
+              </a:ext>
+            </a:extLst>
+          </p:cNvPr>
+          <p:cNvSpPr/>
+          <p:nvPr/>
+        </p:nvSpPr>
+        <p:spPr>
+          <a:xfrm>
+            <a:off x="6094411" y="3108250"/>
+            <a:ext cx="1594883" cy="2349796"/>
+          </a:xfrm>
+          <a:prstGeom prst="roundRect">
+            <a:avLst/>
+          </a:prstGeom>
+          <a:solidFill>
+            <a:schemeClr val="accent2">
+              <a:lumMod val="75000"/>
+            </a:schemeClr>
+          </a:solidFill>
+        </p:spPr>
+        <p:style>
+          <a:lnRef idx="2">
+            <a:schemeClr val="accent1">
+              <a:shade val="50000"/>
+            </a:schemeClr>
+          </a:lnRef>
+          <a:fillRef idx="1">
+            <a:schemeClr val="accent1"/>
+          </a:fillRef>
+          <a:effectRef idx="0">
+            <a:schemeClr val="accent1"/>
+          </a:effectRef>
+          <a:fontRef idx="minor">
+            <a:schemeClr val="lt1"/>
+          </a:fontRef>
+        </p:style>
+        <p:txBody>
+          <a:bodyPr rtlCol="0" anchor="ctr"/>
+          <a:lstStyle/>
+          <a:p>
+            <a:pPr algn="ctr"/>
+            <a:endParaRPr lang="cs-CZ"/>
+          </a:p>
+        </p:txBody>
+      </p:sp>
+      <p:cxnSp>
+        <p:nvCxnSpPr>
+          <p:cNvPr id="11" name="Spojnice: pravoúhlá 10">
+            <a:extLst>
+              <a:ext uri="{FF2B5EF4-FFF2-40B4-BE49-F238E27FC236}">
+                <a16:creationId xmlns:a16="http://schemas.microsoft.com/office/drawing/2014/main" id="{CAEA0B3C-0DCA-4BF0-93F8-17476C41E1F6}"/>
+              </a:ext>
+            </a:extLst>
+          </p:cNvPr>
+          <p:cNvCxnSpPr/>
+          <p:nvPr/>
+        </p:nvCxnSpPr>
+        <p:spPr>
+          <a:xfrm rot="10800000">
+            <a:off x="5404885" y="3338623"/>
+            <a:ext cx="664535" cy="372140"/>
+          </a:xfrm>
+          <a:prstGeom prst="bentConnector3">
+            <a:avLst/>
+          </a:prstGeom>
+          <a:ln>
+            <a:solidFill>
+              <a:schemeClr val="accent5">
+                <a:lumMod val="75000"/>
+              </a:schemeClr>
+            </a:solidFill>
+          </a:ln>
+        </p:spPr>
+        <p:style>
+          <a:lnRef idx="1">
+            <a:schemeClr val="accent1"/>
+          </a:lnRef>
+          <a:fillRef idx="0">
+            <a:schemeClr val="accent1"/>
+          </a:fillRef>
+          <a:effectRef idx="0">
+            <a:schemeClr val="accent1"/>
+          </a:effectRef>
+          <a:fontRef idx="minor">
+            <a:schemeClr val="tx1"/>
+          </a:fontRef>
+        </p:style>
+      </p:cxnSp>
+      <p:cxnSp>
+        <p:nvCxnSpPr>
+          <p:cNvPr id="13" name="Spojnice: pravoúhlá 12">
+            <a:extLst>
+              <a:ext uri="{FF2B5EF4-FFF2-40B4-BE49-F238E27FC236}">
+                <a16:creationId xmlns:a16="http://schemas.microsoft.com/office/drawing/2014/main" id="{12C516F9-E45A-4EED-B7B7-6F70F00FEF67}"/>
+              </a:ext>
+            </a:extLst>
+          </p:cNvPr>
+          <p:cNvCxnSpPr/>
+          <p:nvPr/>
+        </p:nvCxnSpPr>
+        <p:spPr>
+          <a:xfrm flipV="1">
+            <a:off x="7689294" y="3429000"/>
+            <a:ext cx="639544" cy="281763"/>
+          </a:xfrm>
+          <a:prstGeom prst="bentConnector3">
+            <a:avLst/>
+          </a:prstGeom>
+          <a:ln>
+            <a:solidFill>
+              <a:schemeClr val="accent5">
+                <a:lumMod val="75000"/>
+              </a:schemeClr>
+            </a:solidFill>
+          </a:ln>
+        </p:spPr>
+        <p:style>
+          <a:lnRef idx="1">
+            <a:schemeClr val="accent1"/>
+          </a:lnRef>
+          <a:fillRef idx="0">
+            <a:schemeClr val="accent1"/>
+          </a:fillRef>
+          <a:effectRef idx="0">
+            <a:schemeClr val="accent1"/>
+          </a:effectRef>
+          <a:fontRef idx="minor">
+            <a:schemeClr val="tx1"/>
+          </a:fontRef>
+        </p:style>
+      </p:cxnSp>
+      <p:sp>
+        <p:nvSpPr>
+          <p:cNvPr id="14" name="TextovéPole 13">
+            <a:extLst>
+              <a:ext uri="{FF2B5EF4-FFF2-40B4-BE49-F238E27FC236}">
+                <a16:creationId xmlns:a16="http://schemas.microsoft.com/office/drawing/2014/main" id="{0C534795-826B-499C-B9B3-B3ED0E81AA04}"/>
+              </a:ext>
+            </a:extLst>
+          </p:cNvPr>
+          <p:cNvSpPr txBox="1"/>
+          <p:nvPr/>
+        </p:nvSpPr>
+        <p:spPr>
+          <a:xfrm>
+            <a:off x="6294658" y="3184600"/>
+            <a:ext cx="1194389" cy="369332"/>
+          </a:xfrm>
+          <a:prstGeom prst="rect">
+            <a:avLst/>
+          </a:prstGeom>
+          <a:noFill/>
+        </p:spPr>
+        <p:txBody>
+          <a:bodyPr wrap="square" rtlCol="0">
+            <a:spAutoFit/>
+          </a:bodyPr>
+          <a:lstStyle/>
+          <a:p>
+            <a:r>
+              <a:rPr lang="en-US" dirty="0" err="1"/>
+              <a:t>MicroItem</a:t>
+            </a:r>
+            <a:endParaRPr lang="cs-CZ" dirty="0"/>
+          </a:p>
+        </p:txBody>
+      </p:sp>
+      <p:sp>
+        <p:nvSpPr>
+          <p:cNvPr id="15" name="TextovéPole 14">
+            <a:extLst>
+              <a:ext uri="{FF2B5EF4-FFF2-40B4-BE49-F238E27FC236}">
+                <a16:creationId xmlns:a16="http://schemas.microsoft.com/office/drawing/2014/main" id="{9A98EE15-B9D9-46AD-AA95-C981AAA730C3}"/>
+              </a:ext>
+            </a:extLst>
+          </p:cNvPr>
+          <p:cNvSpPr txBox="1"/>
+          <p:nvPr/>
+        </p:nvSpPr>
+        <p:spPr>
+          <a:xfrm>
+            <a:off x="8529085" y="3200549"/>
+            <a:ext cx="1157175" cy="369332"/>
+          </a:xfrm>
+          <a:prstGeom prst="rect">
+            <a:avLst/>
+          </a:prstGeom>
+          <a:noFill/>
+        </p:spPr>
+        <p:txBody>
+          <a:bodyPr wrap="square" rtlCol="0">
+            <a:spAutoFit/>
+          </a:bodyPr>
+          <a:lstStyle/>
+          <a:p>
+            <a:r>
+              <a:rPr lang="en-US" dirty="0" err="1"/>
+              <a:t>ItemImage</a:t>
+            </a:r>
+            <a:endParaRPr lang="cs-CZ" dirty="0"/>
+          </a:p>
+        </p:txBody>
+      </p:sp>
+      <p:sp>
+        <p:nvSpPr>
+          <p:cNvPr id="16" name="TextovéPole 15">
+            <a:extLst>
+              <a:ext uri="{FF2B5EF4-FFF2-40B4-BE49-F238E27FC236}">
+                <a16:creationId xmlns:a16="http://schemas.microsoft.com/office/drawing/2014/main" id="{48C9976C-09D0-4B38-BD7A-EC95068BC9AD}"/>
+              </a:ext>
+            </a:extLst>
+          </p:cNvPr>
+          <p:cNvSpPr txBox="1"/>
+          <p:nvPr/>
+        </p:nvSpPr>
+        <p:spPr>
+          <a:xfrm>
+            <a:off x="3878929" y="3184749"/>
+            <a:ext cx="1457025" cy="369332"/>
+          </a:xfrm>
+          <a:prstGeom prst="rect">
+            <a:avLst/>
+          </a:prstGeom>
+          <a:noFill/>
+        </p:spPr>
+        <p:txBody>
+          <a:bodyPr wrap="square" rtlCol="0">
+            <a:spAutoFit/>
+          </a:bodyPr>
+          <a:lstStyle/>
+          <a:p>
+            <a:r>
+              <a:rPr lang="en-US" dirty="0" err="1"/>
+              <a:t>ItemCategory</a:t>
+            </a:r>
+            <a:endParaRPr lang="cs-CZ" dirty="0"/>
+          </a:p>
+        </p:txBody>
+      </p:sp>
+      <p:cxnSp>
+        <p:nvCxnSpPr>
+          <p:cNvPr id="18" name="Spojnice: pravoúhlá 17">
+            <a:extLst>
+              <a:ext uri="{FF2B5EF4-FFF2-40B4-BE49-F238E27FC236}">
+                <a16:creationId xmlns:a16="http://schemas.microsoft.com/office/drawing/2014/main" id="{CDD2E871-3315-46E4-9927-91AB685DC351}"/>
+              </a:ext>
+            </a:extLst>
+          </p:cNvPr>
+          <p:cNvCxnSpPr>
+            <a:cxnSpLocks/>
+          </p:cNvCxnSpPr>
+          <p:nvPr/>
+        </p:nvCxnSpPr>
+        <p:spPr>
+          <a:xfrm flipV="1">
+            <a:off x="2381693" y="2722635"/>
+            <a:ext cx="1901457" cy="385616"/>
+          </a:xfrm>
+          <a:prstGeom prst="bentConnector3">
+            <a:avLst/>
+          </a:prstGeom>
+          <a:ln>
+            <a:solidFill>
+              <a:schemeClr val="accent5">
+                <a:lumMod val="75000"/>
+              </a:schemeClr>
+            </a:solidFill>
+          </a:ln>
+        </p:spPr>
+        <p:style>
+          <a:lnRef idx="1">
+            <a:schemeClr val="accent1"/>
+          </a:lnRef>
+          <a:fillRef idx="0">
+            <a:schemeClr val="accent1"/>
+          </a:fillRef>
+          <a:effectRef idx="0">
+            <a:schemeClr val="accent1"/>
+          </a:effectRef>
+          <a:fontRef idx="minor">
+            <a:schemeClr val="tx1"/>
+          </a:fontRef>
+        </p:style>
+      </p:cxnSp>
+      <p:cxnSp>
+        <p:nvCxnSpPr>
+          <p:cNvPr id="20" name="Spojnice: pravoúhlá 19">
+            <a:extLst>
+              <a:ext uri="{FF2B5EF4-FFF2-40B4-BE49-F238E27FC236}">
+                <a16:creationId xmlns:a16="http://schemas.microsoft.com/office/drawing/2014/main" id="{61917D0A-E1C3-4534-8E4B-F475EF4ED162}"/>
+              </a:ext>
+            </a:extLst>
+          </p:cNvPr>
+          <p:cNvCxnSpPr>
+            <a:cxnSpLocks/>
+          </p:cNvCxnSpPr>
+          <p:nvPr/>
+        </p:nvCxnSpPr>
+        <p:spPr>
+          <a:xfrm rot="10800000">
+            <a:off x="4283150" y="2722638"/>
+            <a:ext cx="2234608" cy="385615"/>
+          </a:xfrm>
+          <a:prstGeom prst="bentConnector3">
+            <a:avLst/>
+          </a:prstGeom>
+          <a:ln>
+            <a:solidFill>
+              <a:schemeClr val="accent5">
+                <a:lumMod val="75000"/>
+              </a:schemeClr>
+            </a:solidFill>
+          </a:ln>
+        </p:spPr>
+        <p:style>
+          <a:lnRef idx="1">
+            <a:schemeClr val="accent1"/>
+          </a:lnRef>
+          <a:fillRef idx="0">
+            <a:schemeClr val="accent1"/>
+          </a:fillRef>
+          <a:effectRef idx="0">
+            <a:schemeClr val="accent1"/>
+          </a:effectRef>
+          <a:fontRef idx="minor">
+            <a:schemeClr val="tx1"/>
+          </a:fontRef>
+        </p:style>
+      </p:cxnSp>
+      <p:sp>
+        <p:nvSpPr>
+          <p:cNvPr id="23" name="TextovéPole 22">
+            <a:extLst>
+              <a:ext uri="{FF2B5EF4-FFF2-40B4-BE49-F238E27FC236}">
+                <a16:creationId xmlns:a16="http://schemas.microsoft.com/office/drawing/2014/main" id="{9F58C4F5-09B5-4EE1-ABBB-074E1799C107}"/>
+              </a:ext>
+            </a:extLst>
+          </p:cNvPr>
+          <p:cNvSpPr txBox="1"/>
+          <p:nvPr/>
+        </p:nvSpPr>
+        <p:spPr>
+          <a:xfrm>
+            <a:off x="1446028" y="3184600"/>
+            <a:ext cx="1309211" cy="646331"/>
+          </a:xfrm>
+          <a:prstGeom prst="rect">
+            <a:avLst/>
+          </a:prstGeom>
+          <a:noFill/>
+        </p:spPr>
+        <p:txBody>
+          <a:bodyPr wrap="square" rtlCol="0">
+            <a:spAutoFit/>
+          </a:bodyPr>
+          <a:lstStyle/>
+          <a:p>
+            <a:r>
+              <a:rPr lang="en-US" dirty="0"/>
+              <a:t>Application</a:t>
+            </a:r>
+          </a:p>
+          <a:p>
+            <a:r>
+              <a:rPr lang="en-US" dirty="0"/>
+              <a:t>user</a:t>
+            </a:r>
+            <a:endParaRPr lang="cs-CZ" dirty="0"/>
+          </a:p>
+        </p:txBody>
+      </p:sp>
+      <p:sp>
+        <p:nvSpPr>
+          <p:cNvPr id="24" name="TextovéPole 23">
+            <a:extLst>
+              <a:ext uri="{FF2B5EF4-FFF2-40B4-BE49-F238E27FC236}">
+                <a16:creationId xmlns:a16="http://schemas.microsoft.com/office/drawing/2014/main" id="{3F062FE2-56C0-4106-BA7A-536C26180329}"/>
+              </a:ext>
+            </a:extLst>
+          </p:cNvPr>
+          <p:cNvSpPr txBox="1"/>
+          <p:nvPr/>
+        </p:nvSpPr>
+        <p:spPr>
+          <a:xfrm>
+            <a:off x="6294658" y="3710763"/>
+            <a:ext cx="1194389" cy="1384995"/>
+          </a:xfrm>
+          <a:prstGeom prst="rect">
+            <a:avLst/>
+          </a:prstGeom>
+          <a:noFill/>
+        </p:spPr>
+        <p:txBody>
+          <a:bodyPr wrap="square" rtlCol="0">
+            <a:spAutoFit/>
+          </a:bodyPr>
+          <a:lstStyle/>
+          <a:p>
+            <a:r>
+              <a:rPr lang="en-US" sz="1200" dirty="0"/>
+              <a:t>Id</a:t>
+            </a:r>
+          </a:p>
+          <a:p>
+            <a:r>
+              <a:rPr lang="en-US" sz="1200" dirty="0"/>
+              <a:t>Title</a:t>
+            </a:r>
+          </a:p>
+          <a:p>
+            <a:r>
+              <a:rPr lang="en-US" sz="1200" dirty="0"/>
+              <a:t>Description</a:t>
+            </a:r>
+          </a:p>
+          <a:p>
+            <a:r>
+              <a:rPr lang="en-US" sz="1200" dirty="0" err="1"/>
+              <a:t>OwnerName</a:t>
+            </a:r>
+            <a:endParaRPr lang="en-US" sz="1200" dirty="0"/>
+          </a:p>
+          <a:p>
+            <a:r>
+              <a:rPr lang="en-US" sz="1200" dirty="0" err="1"/>
+              <a:t>WorkerName</a:t>
+            </a:r>
+            <a:endParaRPr lang="en-US" sz="1200" dirty="0"/>
+          </a:p>
+          <a:p>
+            <a:r>
+              <a:rPr lang="en-US" sz="1200" dirty="0"/>
+              <a:t>Category</a:t>
+            </a:r>
+          </a:p>
+          <a:p>
+            <a:r>
+              <a:rPr lang="en-US" sz="1200" dirty="0" err="1"/>
+              <a:t>ImageId</a:t>
+            </a:r>
+            <a:endParaRPr lang="cs-CZ" sz="1200" dirty="0"/>
+          </a:p>
+        </p:txBody>
+      </p:sp>
+      <p:sp>
+        <p:nvSpPr>
+          <p:cNvPr id="26" name="TextovéPole 25">
+            <a:extLst>
+              <a:ext uri="{FF2B5EF4-FFF2-40B4-BE49-F238E27FC236}">
+                <a16:creationId xmlns:a16="http://schemas.microsoft.com/office/drawing/2014/main" id="{E8862BBF-6AE8-4A33-AD70-AEE25F98478F}"/>
+              </a:ext>
+            </a:extLst>
+          </p:cNvPr>
+          <p:cNvSpPr txBox="1"/>
+          <p:nvPr/>
+        </p:nvSpPr>
+        <p:spPr>
+          <a:xfrm>
+            <a:off x="3909238" y="3710763"/>
+            <a:ext cx="1194389" cy="461665"/>
+          </a:xfrm>
+          <a:prstGeom prst="rect">
+            <a:avLst/>
+          </a:prstGeom>
+          <a:noFill/>
+        </p:spPr>
+        <p:txBody>
+          <a:bodyPr wrap="square" rtlCol="0">
+            <a:spAutoFit/>
+          </a:bodyPr>
+          <a:lstStyle/>
+          <a:p>
+            <a:r>
+              <a:rPr lang="en-US" sz="1200" dirty="0"/>
+              <a:t>Id</a:t>
+            </a:r>
+          </a:p>
+          <a:p>
+            <a:r>
+              <a:rPr lang="en-US" sz="1200" dirty="0"/>
+              <a:t>Name</a:t>
+            </a:r>
+            <a:endParaRPr lang="cs-CZ" sz="1200" dirty="0"/>
+          </a:p>
+        </p:txBody>
+      </p:sp>
+      <p:sp>
+        <p:nvSpPr>
+          <p:cNvPr id="27" name="TextovéPole 26">
+            <a:extLst>
+              <a:ext uri="{FF2B5EF4-FFF2-40B4-BE49-F238E27FC236}">
+                <a16:creationId xmlns:a16="http://schemas.microsoft.com/office/drawing/2014/main" id="{35929B0E-4C46-4767-904C-29DFA641744D}"/>
+              </a:ext>
+            </a:extLst>
+          </p:cNvPr>
+          <p:cNvSpPr txBox="1"/>
+          <p:nvPr/>
+        </p:nvSpPr>
+        <p:spPr>
+          <a:xfrm>
+            <a:off x="1462775" y="3830931"/>
+            <a:ext cx="1194389" cy="1200329"/>
+          </a:xfrm>
+          <a:prstGeom prst="rect">
+            <a:avLst/>
+          </a:prstGeom>
+          <a:noFill/>
+        </p:spPr>
+        <p:txBody>
+          <a:bodyPr wrap="square" rtlCol="0">
+            <a:spAutoFit/>
+          </a:bodyPr>
+          <a:lstStyle/>
+          <a:p>
+            <a:r>
+              <a:rPr lang="en-US" sz="1200" dirty="0"/>
+              <a:t>Id</a:t>
+            </a:r>
+          </a:p>
+          <a:p>
+            <a:r>
+              <a:rPr lang="en-US" sz="1200" dirty="0"/>
+              <a:t>Username</a:t>
+            </a:r>
+          </a:p>
+          <a:p>
+            <a:r>
+              <a:rPr lang="en-US" sz="1200" dirty="0"/>
+              <a:t>Email</a:t>
+            </a:r>
+          </a:p>
+          <a:p>
+            <a:r>
+              <a:rPr lang="en-US" sz="1200" dirty="0"/>
+              <a:t>… asp net core identity properties …</a:t>
+            </a:r>
+            <a:endParaRPr lang="cs-CZ" sz="1200" dirty="0"/>
+          </a:p>
+        </p:txBody>
+      </p:sp>
+      <p:sp>
+        <p:nvSpPr>
+          <p:cNvPr id="28" name="TextovéPole 27">
+            <a:extLst>
+              <a:ext uri="{FF2B5EF4-FFF2-40B4-BE49-F238E27FC236}">
+                <a16:creationId xmlns:a16="http://schemas.microsoft.com/office/drawing/2014/main" id="{B922D572-9983-450C-A534-DB818845BF5F}"/>
+              </a:ext>
+            </a:extLst>
+          </p:cNvPr>
+          <p:cNvSpPr txBox="1"/>
+          <p:nvPr/>
+        </p:nvSpPr>
+        <p:spPr>
+          <a:xfrm>
+            <a:off x="8529084" y="3706331"/>
+            <a:ext cx="1194389" cy="646331"/>
+          </a:xfrm>
+          <a:prstGeom prst="rect">
+            <a:avLst/>
+          </a:prstGeom>
+          <a:noFill/>
+        </p:spPr>
+        <p:txBody>
+          <a:bodyPr wrap="square" rtlCol="0">
+            <a:spAutoFit/>
+          </a:bodyPr>
+          <a:lstStyle/>
+          <a:p>
+            <a:r>
+              <a:rPr lang="en-US" sz="1200" dirty="0"/>
+              <a:t>Id</a:t>
+            </a:r>
+          </a:p>
+          <a:p>
+            <a:r>
+              <a:rPr lang="en-US" sz="1200" dirty="0" err="1"/>
+              <a:t>ImageData</a:t>
+            </a:r>
+            <a:r>
+              <a:rPr lang="en-US" sz="1200" dirty="0"/>
+              <a:t> : byte[]</a:t>
+            </a:r>
+            <a:endParaRPr lang="cs-CZ" sz="1200" dirty="0"/>
+          </a:p>
+        </p:txBody>
+      </p:sp>
+      <p:cxnSp>
+        <p:nvCxnSpPr>
+          <p:cNvPr id="30" name="Spojnice: pravoúhlá 29">
+            <a:extLst>
+              <a:ext uri="{FF2B5EF4-FFF2-40B4-BE49-F238E27FC236}">
+                <a16:creationId xmlns:a16="http://schemas.microsoft.com/office/drawing/2014/main" id="{D2DB3F77-FD94-4DE2-9F4F-86CA58166B82}"/>
+              </a:ext>
+            </a:extLst>
+          </p:cNvPr>
+          <p:cNvCxnSpPr/>
+          <p:nvPr/>
+        </p:nvCxnSpPr>
+        <p:spPr>
+          <a:xfrm>
+            <a:off x="2573079" y="5458046"/>
+            <a:ext cx="1562986" cy="598081"/>
+          </a:xfrm>
+          <a:prstGeom prst="bentConnector3">
+            <a:avLst/>
+          </a:prstGeom>
+          <a:ln>
+            <a:solidFill>
+              <a:schemeClr val="accent5">
+                <a:lumMod val="75000"/>
+              </a:schemeClr>
+            </a:solidFill>
+          </a:ln>
+        </p:spPr>
+        <p:style>
+          <a:lnRef idx="1">
+            <a:schemeClr val="accent1"/>
+          </a:lnRef>
+          <a:fillRef idx="0">
+            <a:schemeClr val="accent1"/>
+          </a:fillRef>
+          <a:effectRef idx="0">
+            <a:schemeClr val="accent1"/>
+          </a:effectRef>
+          <a:fontRef idx="minor">
+            <a:schemeClr val="tx1"/>
+          </a:fontRef>
+        </p:style>
+      </p:cxnSp>
+      <p:cxnSp>
+        <p:nvCxnSpPr>
+          <p:cNvPr id="32" name="Spojnice: pravoúhlá 31">
+            <a:extLst>
+              <a:ext uri="{FF2B5EF4-FFF2-40B4-BE49-F238E27FC236}">
+                <a16:creationId xmlns:a16="http://schemas.microsoft.com/office/drawing/2014/main" id="{8935FDB8-11E6-4E61-9813-56A18593B503}"/>
+              </a:ext>
+            </a:extLst>
+          </p:cNvPr>
+          <p:cNvCxnSpPr>
+            <a:cxnSpLocks/>
+          </p:cNvCxnSpPr>
+          <p:nvPr/>
+        </p:nvCxnSpPr>
+        <p:spPr>
+          <a:xfrm rot="10800000" flipV="1">
+            <a:off x="4136065" y="5458045"/>
+            <a:ext cx="2521906" cy="598082"/>
+          </a:xfrm>
+          <a:prstGeom prst="bentConnector3">
+            <a:avLst/>
+          </a:prstGeom>
+          <a:ln>
+            <a:solidFill>
+              <a:schemeClr val="accent5">
+                <a:lumMod val="75000"/>
+              </a:schemeClr>
+            </a:solidFill>
+          </a:ln>
+        </p:spPr>
+        <p:style>
+          <a:lnRef idx="1">
+            <a:schemeClr val="accent1"/>
+          </a:lnRef>
+          <a:fillRef idx="0">
+            <a:schemeClr val="accent1"/>
+          </a:fillRef>
+          <a:effectRef idx="0">
+            <a:schemeClr val="accent1"/>
+          </a:effectRef>
+          <a:fontRef idx="minor">
+            <a:schemeClr val="tx1"/>
+          </a:fontRef>
+        </p:style>
+      </p:cxnSp>
+    </p:spTree>
+    <p:extLst>
+      <p:ext uri="{BB962C8B-B14F-4D97-AF65-F5344CB8AC3E}">
+        <p14:creationId xmlns:p14="http://schemas.microsoft.com/office/powerpoint/2010/main" val="3437139399"/>
+      </p:ext>
+    </p:extLst>
+  </p:cSld>
+  <p:clrMapOvr>
+    <a:masterClrMapping/>
+  </p:clrMapOvr>
+</p:sld>
+</file>
+
+<file path=ppt/slides/slide8.xml><?xml version="1.0" encoding="utf-8"?>
+<p:sld xmlns:a="http://schemas.openxmlformats.org/drawingml/2006/main" xmlns:r="http://schemas.openxmlformats.org/officeDocument/2006/relationships" xmlns:p="http://schemas.openxmlformats.org/presentationml/2006/main">
+  <p:cSld>
+    <p:spTree>
+      <p:nvGrpSpPr>
+        <p:cNvPr id="1" name=""/>
+        <p:cNvGrpSpPr/>
+        <p:nvPr/>
+      </p:nvGrpSpPr>
+      <p:grpSpPr>
+        <a:xfrm>
+          <a:off x="0" y="0"/>
+          <a:ext cx="0" cy="0"/>
+          <a:chOff x="0" y="0"/>
+          <a:chExt cx="0" cy="0"/>
+        </a:xfrm>
+      </p:grpSpPr>
+      <p:sp>
+        <p:nvSpPr>
+          <p:cNvPr id="2" name="Nadpis 1">
+            <a:extLst>
+              <a:ext uri="{FF2B5EF4-FFF2-40B4-BE49-F238E27FC236}">
+                <a16:creationId xmlns:a16="http://schemas.microsoft.com/office/drawing/2014/main" id="{CF34F3AC-8A40-4B24-888F-9108DCF40330}"/>
+              </a:ext>
+            </a:extLst>
+          </p:cNvPr>
+          <p:cNvSpPr>
+            <a:spLocks noGrp="1"/>
+          </p:cNvSpPr>
+          <p:nvPr>
+            <p:ph type="title"/>
+          </p:nvPr>
+        </p:nvSpPr>
+        <p:spPr/>
+        <p:txBody>
+          <a:bodyPr/>
+          <a:lstStyle/>
+          <a:p>
+            <a:r>
+              <a:rPr lang="en-US" dirty="0"/>
+              <a:t>Possible extensions</a:t>
+            </a:r>
+            <a:endParaRPr lang="cs-CZ" dirty="0"/>
+          </a:p>
+        </p:txBody>
+      </p:sp>
+      <p:sp>
+        <p:nvSpPr>
+          <p:cNvPr id="3" name="Zástupný symbol pro obsah 2">
+            <a:extLst>
+              <a:ext uri="{FF2B5EF4-FFF2-40B4-BE49-F238E27FC236}">
+                <a16:creationId xmlns:a16="http://schemas.microsoft.com/office/drawing/2014/main" id="{56E5E95E-DF5A-4002-A1D1-C17F22D411A0}"/>
+              </a:ext>
+            </a:extLst>
+          </p:cNvPr>
+          <p:cNvSpPr>
+            <a:spLocks noGrp="1"/>
+          </p:cNvSpPr>
+          <p:nvPr>
+            <p:ph idx="1"/>
+          </p:nvPr>
+        </p:nvSpPr>
+        <p:spPr>
+          <a:xfrm>
+            <a:off x="1141412" y="1903228"/>
+            <a:ext cx="9905999" cy="3887973"/>
+          </a:xfrm>
+        </p:spPr>
+        <p:txBody>
+          <a:bodyPr>
+            <a:normAutofit fontScale="92500" lnSpcReduction="10000"/>
+          </a:bodyPr>
+          <a:lstStyle/>
+          <a:p>
+            <a:r>
+              <a:rPr lang="en-US" dirty="0"/>
+              <a:t>General</a:t>
+            </a:r>
+          </a:p>
+          <a:p>
+            <a:pPr lvl="1"/>
+            <a:r>
+              <a:rPr lang="en-US" dirty="0"/>
+              <a:t>Payment</a:t>
+            </a:r>
+          </a:p>
+          <a:p>
+            <a:pPr lvl="1"/>
+            <a:r>
+              <a:rPr lang="en-US" dirty="0"/>
+              <a:t>Messages</a:t>
+            </a:r>
+          </a:p>
+          <a:p>
+            <a:pPr lvl="1"/>
+            <a:r>
+              <a:rPr lang="en-US" dirty="0"/>
+              <a:t>More data (jobs, profile,…)</a:t>
+            </a:r>
+          </a:p>
+          <a:p>
+            <a:r>
+              <a:rPr lang="en-US" dirty="0"/>
+              <a:t>Xamarin Forms</a:t>
+            </a:r>
+          </a:p>
+          <a:p>
+            <a:pPr lvl="1"/>
+            <a:r>
+              <a:rPr lang="en-US" dirty="0"/>
+              <a:t>Better (or at least any at all </a:t>
+            </a:r>
+            <a:r>
+              <a:rPr lang="en-US" dirty="0">
+                <a:sym typeface="Wingdings" panose="05000000000000000000" pitchFamily="2" charset="2"/>
+              </a:rPr>
+              <a:t> </a:t>
+            </a:r>
+            <a:r>
+              <a:rPr lang="en-US" dirty="0"/>
+              <a:t>) style</a:t>
+            </a:r>
+          </a:p>
+          <a:p>
+            <a:pPr lvl="1"/>
+            <a:r>
+              <a:rPr lang="en-US" dirty="0"/>
+              <a:t>Error handling (app crashes on error)</a:t>
+            </a:r>
+          </a:p>
+          <a:p>
+            <a:pPr lvl="1"/>
+            <a:r>
+              <a:rPr lang="en-US" dirty="0"/>
+              <a:t>Profile update, data deletion</a:t>
+            </a:r>
+          </a:p>
+          <a:p>
+            <a:pPr lvl="1"/>
+            <a:r>
+              <a:rPr lang="en-US" dirty="0"/>
+              <a:t>Currency converters</a:t>
+            </a:r>
+          </a:p>
+          <a:p>
+            <a:pPr marL="457200" lvl="1" indent="0">
+              <a:buNone/>
+            </a:pPr>
+            <a:endParaRPr lang="en-US" dirty="0"/>
+          </a:p>
+          <a:p>
+            <a:pPr lvl="1"/>
+            <a:endParaRPr lang="cs-CZ" dirty="0"/>
+          </a:p>
+        </p:txBody>
+      </p:sp>
+    </p:spTree>
+    <p:extLst>
+      <p:ext uri="{BB962C8B-B14F-4D97-AF65-F5344CB8AC3E}">
+        <p14:creationId xmlns:p14="http://schemas.microsoft.com/office/powerpoint/2010/main" val="3000009972"/>
+      </p:ext>
+    </p:extLst>
+  </p:cSld>
+  <p:clrMapOvr>
+    <a:masterClrMapping/>
+  </p:clrMapOvr>
+</p:sld>
+</file>
+
+<file path=ppt/slides/slide9.xml><?xml version="1.0" encoding="utf-8"?>
+<p:sld xmlns:a="http://schemas.openxmlformats.org/drawingml/2006/main" xmlns:r="http://schemas.openxmlformats.org/officeDocument/2006/relationships" xmlns:p="http://schemas.openxmlformats.org/presentationml/2006/main">
+  <p:cSld>
+    <p:spTree>
+      <p:nvGrpSpPr>
+        <p:cNvPr id="1" name=""/>
+        <p:cNvGrpSpPr/>
+        <p:nvPr/>
+      </p:nvGrpSpPr>
+      <p:grpSpPr>
+        <a:xfrm>
+          <a:off x="0" y="0"/>
+          <a:ext cx="0" cy="0"/>
+          <a:chOff x="0" y="0"/>
+          <a:chExt cx="0" cy="0"/>
+        </a:xfrm>
+      </p:grpSpPr>
+      <p:sp>
+        <p:nvSpPr>
+          <p:cNvPr id="2" name="Nadpis 1">
+            <a:extLst>
+              <a:ext uri="{FF2B5EF4-FFF2-40B4-BE49-F238E27FC236}">
+                <a16:creationId xmlns:a16="http://schemas.microsoft.com/office/drawing/2014/main" id="{8A2429BB-C64A-4B7B-87DF-4A6F83864BEF}"/>
+              </a:ext>
+            </a:extLst>
+          </p:cNvPr>
+          <p:cNvSpPr>
+            <a:spLocks noGrp="1"/>
+          </p:cNvSpPr>
+          <p:nvPr>
+            <p:ph type="title"/>
+          </p:nvPr>
+        </p:nvSpPr>
+        <p:spPr/>
+        <p:txBody>
+          <a:bodyPr/>
+          <a:lstStyle/>
+          <a:p>
+            <a:r>
+              <a:rPr lang="en-US" dirty="0"/>
+              <a:t>Azure</a:t>
+            </a:r>
+            <a:endParaRPr lang="cs-CZ" dirty="0"/>
+          </a:p>
+        </p:txBody>
+      </p:sp>
+      <p:sp>
+        <p:nvSpPr>
+          <p:cNvPr id="3" name="Zástupný symbol pro obsah 2">
+            <a:extLst>
+              <a:ext uri="{FF2B5EF4-FFF2-40B4-BE49-F238E27FC236}">
+                <a16:creationId xmlns:a16="http://schemas.microsoft.com/office/drawing/2014/main" id="{7857EC2D-1F06-46B6-9993-56C0D7A7831F}"/>
+              </a:ext>
+            </a:extLst>
+          </p:cNvPr>
+          <p:cNvSpPr>
+            <a:spLocks noGrp="1"/>
+          </p:cNvSpPr>
+          <p:nvPr>
+            <p:ph idx="1"/>
+          </p:nvPr>
+        </p:nvSpPr>
+        <p:spPr/>
+        <p:txBody>
+          <a:bodyPr/>
+          <a:lstStyle/>
+          <a:p>
+            <a:r>
+              <a:rPr lang="cs-CZ" dirty="0" err="1">
+                <a:hlinkClick r:id="rId2"/>
+              </a:rPr>
+              <a:t>Deployed</a:t>
+            </a:r>
+            <a:r>
+              <a:rPr lang="cs-CZ" dirty="0">
+                <a:hlinkClick r:id="rId2"/>
+              </a:rPr>
+              <a:t> to Azure</a:t>
+            </a:r>
+            <a:endParaRPr lang="en-US" dirty="0"/>
+          </a:p>
+          <a:p>
+            <a:r>
+              <a:rPr lang="en-US" dirty="0"/>
+              <a:t>Temporary</a:t>
+            </a:r>
+          </a:p>
+        </p:txBody>
+      </p:sp>
+    </p:spTree>
+    <p:extLst>
+      <p:ext uri="{BB962C8B-B14F-4D97-AF65-F5344CB8AC3E}">
+        <p14:creationId xmlns:p14="http://schemas.microsoft.com/office/powerpoint/2010/main" val="3398794588"/>
       </p:ext>
     </p:extLst>
   </p:cSld>

--- a/MicrobeeJobs.pptx
+++ b/MicrobeeJobs.pptx
@@ -112,6 +112,11 @@
       </a:defRPr>
     </a:lvl9pPr>
   </p:defaultTextStyle>
+  <p:extLst>
+    <p:ext uri="{EFAFB233-063F-42B5-8137-9DF3F51BA10A}">
+      <p15:sldGuideLst xmlns:p15="http://schemas.microsoft.com/office/powerpoint/2012/main"/>
+    </p:ext>
+  </p:extLst>
 </p:presentation>
 </file>
 
@@ -172,7 +177,7 @@
           <a:noFill/>
           <a:extLst>
             <a:ext uri="{909E8E84-426E-40dd-AFC4-6F175D3DCCD1}">
-              <a14:hiddenFill xmlns:a14="http://schemas.microsoft.com/office/drawing/2010/main" xmlns="">
+              <a14:hiddenFill xmlns="" xmlns:a14="http://schemas.microsoft.com/office/drawing/2010/main">
                 <a:solidFill>
                   <a:srgbClr val="FFFFFF"/>
                 </a:solidFill>
@@ -231,7 +236,7 @@
             </a:ln>
             <a:extLst>
               <a:ext uri="{91240B29-F687-4f45-9708-019B960494DF}">
-                <a14:hiddenLine xmlns:a14="http://schemas.microsoft.com/office/drawing/2010/main" xmlns="" w="9525">
+                <a14:hiddenLine xmlns="" xmlns:a14="http://schemas.microsoft.com/office/drawing/2010/main" w="9525">
                   <a:solidFill>
                     <a:srgbClr val="000000"/>
                   </a:solidFill>
@@ -321,7 +326,7 @@
             </a:ln>
             <a:extLst>
               <a:ext uri="{91240B29-F687-4f45-9708-019B960494DF}">
-                <a14:hiddenLine xmlns:a14="http://schemas.microsoft.com/office/drawing/2010/main" xmlns="" w="9525">
+                <a14:hiddenLine xmlns="" xmlns:a14="http://schemas.microsoft.com/office/drawing/2010/main" w="9525">
                   <a:solidFill>
                     <a:srgbClr val="000000"/>
                   </a:solidFill>
@@ -411,7 +416,7 @@
             </a:ln>
             <a:extLst>
               <a:ext uri="{91240B29-F687-4f45-9708-019B960494DF}">
-                <a14:hiddenLine xmlns:a14="http://schemas.microsoft.com/office/drawing/2010/main" xmlns="" w="9525">
+                <a14:hiddenLine xmlns="" xmlns:a14="http://schemas.microsoft.com/office/drawing/2010/main" w="9525">
                   <a:solidFill>
                     <a:srgbClr val="000000"/>
                   </a:solidFill>
@@ -445,7 +450,7 @@
             </a:ln>
             <a:extLst>
               <a:ext uri="{91240B29-F687-4f45-9708-019B960494DF}">
-                <a14:hiddenLine xmlns:a14="http://schemas.microsoft.com/office/drawing/2010/main" xmlns="" w="9525">
+                <a14:hiddenLine xmlns="" xmlns:a14="http://schemas.microsoft.com/office/drawing/2010/main" w="9525">
                   <a:solidFill>
                     <a:srgbClr val="000000"/>
                   </a:solidFill>
@@ -535,7 +540,7 @@
             </a:ln>
             <a:extLst>
               <a:ext uri="{91240B29-F687-4f45-9708-019B960494DF}">
-                <a14:hiddenLine xmlns:a14="http://schemas.microsoft.com/office/drawing/2010/main" xmlns="" w="9525">
+                <a14:hiddenLine xmlns="" xmlns:a14="http://schemas.microsoft.com/office/drawing/2010/main" w="9525">
                   <a:solidFill>
                     <a:srgbClr val="000000"/>
                   </a:solidFill>
@@ -597,7 +602,7 @@
             </a:ln>
             <a:extLst>
               <a:ext uri="{91240B29-F687-4f45-9708-019B960494DF}">
-                <a14:hiddenLine xmlns:a14="http://schemas.microsoft.com/office/drawing/2010/main" xmlns="" w="9525">
+                <a14:hiddenLine xmlns="" xmlns:a14="http://schemas.microsoft.com/office/drawing/2010/main" w="9525">
                   <a:solidFill>
                     <a:srgbClr val="000000"/>
                   </a:solidFill>
@@ -659,7 +664,7 @@
             </a:ln>
             <a:extLst>
               <a:ext uri="{91240B29-F687-4f45-9708-019B960494DF}">
-                <a14:hiddenLine xmlns:a14="http://schemas.microsoft.com/office/drawing/2010/main" xmlns="" w="9525">
+                <a14:hiddenLine xmlns="" xmlns:a14="http://schemas.microsoft.com/office/drawing/2010/main" w="9525">
                   <a:solidFill>
                     <a:srgbClr val="000000"/>
                   </a:solidFill>
@@ -749,7 +754,7 @@
             </a:ln>
             <a:extLst>
               <a:ext uri="{91240B29-F687-4f45-9708-019B960494DF}">
-                <a14:hiddenLine xmlns:a14="http://schemas.microsoft.com/office/drawing/2010/main" xmlns="" w="9525">
+                <a14:hiddenLine xmlns="" xmlns:a14="http://schemas.microsoft.com/office/drawing/2010/main" w="9525">
                   <a:solidFill>
                     <a:srgbClr val="000000"/>
                   </a:solidFill>
@@ -811,7 +816,7 @@
             </a:ln>
             <a:extLst>
               <a:ext uri="{91240B29-F687-4f45-9708-019B960494DF}">
-                <a14:hiddenLine xmlns:a14="http://schemas.microsoft.com/office/drawing/2010/main" xmlns="" w="9525">
+                <a14:hiddenLine xmlns="" xmlns:a14="http://schemas.microsoft.com/office/drawing/2010/main" w="9525">
                   <a:solidFill>
                     <a:srgbClr val="000000"/>
                   </a:solidFill>
@@ -873,7 +878,7 @@
             </a:ln>
             <a:extLst>
               <a:ext uri="{91240B29-F687-4f45-9708-019B960494DF}">
-                <a14:hiddenLine xmlns:a14="http://schemas.microsoft.com/office/drawing/2010/main" xmlns="" w="9525">
+                <a14:hiddenLine xmlns="" xmlns:a14="http://schemas.microsoft.com/office/drawing/2010/main" w="9525">
                   <a:solidFill>
                     <a:srgbClr val="000000"/>
                   </a:solidFill>
@@ -963,7 +968,7 @@
             </a:ln>
             <a:extLst>
               <a:ext uri="{91240B29-F687-4f45-9708-019B960494DF}">
-                <a14:hiddenLine xmlns:a14="http://schemas.microsoft.com/office/drawing/2010/main" xmlns="" w="9525">
+                <a14:hiddenLine xmlns="" xmlns:a14="http://schemas.microsoft.com/office/drawing/2010/main" w="9525">
                   <a:solidFill>
                     <a:srgbClr val="000000"/>
                   </a:solidFill>
@@ -1053,7 +1058,7 @@
             </a:ln>
             <a:extLst>
               <a:ext uri="{91240B29-F687-4f45-9708-019B960494DF}">
-                <a14:hiddenLine xmlns:a14="http://schemas.microsoft.com/office/drawing/2010/main" xmlns="" w="9525">
+                <a14:hiddenLine xmlns="" xmlns:a14="http://schemas.microsoft.com/office/drawing/2010/main" w="9525">
                   <a:solidFill>
                     <a:srgbClr val="000000"/>
                   </a:solidFill>
@@ -1115,7 +1120,7 @@
             </a:ln>
             <a:extLst>
               <a:ext uri="{91240B29-F687-4f45-9708-019B960494DF}">
-                <a14:hiddenLine xmlns:a14="http://schemas.microsoft.com/office/drawing/2010/main" xmlns="" w="9525">
+                <a14:hiddenLine xmlns="" xmlns:a14="http://schemas.microsoft.com/office/drawing/2010/main" w="9525">
                   <a:solidFill>
                     <a:srgbClr val="000000"/>
                   </a:solidFill>
@@ -1225,7 +1230,7 @@
             </a:ln>
             <a:extLst>
               <a:ext uri="{91240B29-F687-4f45-9708-019B960494DF}">
-                <a14:hiddenLine xmlns:a14="http://schemas.microsoft.com/office/drawing/2010/main" xmlns="" w="9525">
+                <a14:hiddenLine xmlns="" xmlns:a14="http://schemas.microsoft.com/office/drawing/2010/main" w="9525">
                   <a:solidFill>
                     <a:srgbClr val="000000"/>
                   </a:solidFill>
@@ -1287,7 +1292,7 @@
             </a:ln>
             <a:extLst>
               <a:ext uri="{91240B29-F687-4f45-9708-019B960494DF}">
-                <a14:hiddenLine xmlns:a14="http://schemas.microsoft.com/office/drawing/2010/main" xmlns="" w="9525">
+                <a14:hiddenLine xmlns="" xmlns:a14="http://schemas.microsoft.com/office/drawing/2010/main" w="9525">
                   <a:solidFill>
                     <a:srgbClr val="000000"/>
                   </a:solidFill>
@@ -1377,7 +1382,7 @@
             </a:ln>
             <a:extLst>
               <a:ext uri="{91240B29-F687-4f45-9708-019B960494DF}">
-                <a14:hiddenLine xmlns:a14="http://schemas.microsoft.com/office/drawing/2010/main" xmlns="" w="9525">
+                <a14:hiddenLine xmlns="" xmlns:a14="http://schemas.microsoft.com/office/drawing/2010/main" w="9525">
                   <a:solidFill>
                     <a:srgbClr val="000000"/>
                   </a:solidFill>
@@ -1467,7 +1472,7 @@
             </a:ln>
             <a:extLst>
               <a:ext uri="{91240B29-F687-4f45-9708-019B960494DF}">
-                <a14:hiddenLine xmlns:a14="http://schemas.microsoft.com/office/drawing/2010/main" xmlns="" w="9525">
+                <a14:hiddenLine xmlns="" xmlns:a14="http://schemas.microsoft.com/office/drawing/2010/main" w="9525">
                   <a:solidFill>
                     <a:srgbClr val="000000"/>
                   </a:solidFill>
@@ -1529,7 +1534,7 @@
             </a:ln>
             <a:extLst>
               <a:ext uri="{91240B29-F687-4f45-9708-019B960494DF}">
-                <a14:hiddenLine xmlns:a14="http://schemas.microsoft.com/office/drawing/2010/main" xmlns="" w="9525">
+                <a14:hiddenLine xmlns="" xmlns:a14="http://schemas.microsoft.com/office/drawing/2010/main" w="9525">
                   <a:solidFill>
                     <a:srgbClr val="000000"/>
                   </a:solidFill>
@@ -1619,7 +1624,7 @@
             </a:ln>
             <a:extLst>
               <a:ext uri="{91240B29-F687-4f45-9708-019B960494DF}">
-                <a14:hiddenLine xmlns:a14="http://schemas.microsoft.com/office/drawing/2010/main" xmlns="" w="9525">
+                <a14:hiddenLine xmlns="" xmlns:a14="http://schemas.microsoft.com/office/drawing/2010/main" w="9525">
                   <a:solidFill>
                     <a:srgbClr val="000000"/>
                   </a:solidFill>
@@ -1709,7 +1714,7 @@
             </a:ln>
             <a:extLst>
               <a:ext uri="{91240B29-F687-4f45-9708-019B960494DF}">
-                <a14:hiddenLine xmlns:a14="http://schemas.microsoft.com/office/drawing/2010/main" xmlns="" w="9525">
+                <a14:hiddenLine xmlns="" xmlns:a14="http://schemas.microsoft.com/office/drawing/2010/main" w="9525">
                   <a:solidFill>
                     <a:srgbClr val="000000"/>
                   </a:solidFill>
@@ -1765,7 +1770,7 @@
             </a:ln>
             <a:extLst>
               <a:ext uri="{91240B29-F687-4f45-9708-019B960494DF}">
-                <a14:hiddenLine xmlns:a14="http://schemas.microsoft.com/office/drawing/2010/main" xmlns="" w="9525">
+                <a14:hiddenLine xmlns="" xmlns:a14="http://schemas.microsoft.com/office/drawing/2010/main" w="9525">
                   <a:solidFill>
                     <a:srgbClr val="000000"/>
                   </a:solidFill>
@@ -1855,7 +1860,7 @@
             </a:ln>
             <a:extLst>
               <a:ext uri="{91240B29-F687-4f45-9708-019B960494DF}">
-                <a14:hiddenLine xmlns:a14="http://schemas.microsoft.com/office/drawing/2010/main" xmlns="" w="9525">
+                <a14:hiddenLine xmlns="" xmlns:a14="http://schemas.microsoft.com/office/drawing/2010/main" w="9525">
                   <a:solidFill>
                     <a:srgbClr val="000000"/>
                   </a:solidFill>
@@ -1911,7 +1916,7 @@
             </a:ln>
             <a:extLst>
               <a:ext uri="{91240B29-F687-4f45-9708-019B960494DF}">
-                <a14:hiddenLine xmlns:a14="http://schemas.microsoft.com/office/drawing/2010/main" xmlns="" w="9525">
+                <a14:hiddenLine xmlns="" xmlns:a14="http://schemas.microsoft.com/office/drawing/2010/main" w="9525">
                   <a:solidFill>
                     <a:srgbClr val="000000"/>
                   </a:solidFill>
@@ -2001,7 +2006,7 @@
             </a:ln>
             <a:extLst>
               <a:ext uri="{91240B29-F687-4f45-9708-019B960494DF}">
-                <a14:hiddenLine xmlns:a14="http://schemas.microsoft.com/office/drawing/2010/main" xmlns="" w="9525">
+                <a14:hiddenLine xmlns="" xmlns:a14="http://schemas.microsoft.com/office/drawing/2010/main" w="9525">
                   <a:solidFill>
                     <a:srgbClr val="000000"/>
                   </a:solidFill>
@@ -2069,7 +2074,7 @@
             </a:ln>
             <a:extLst>
               <a:ext uri="{91240B29-F687-4f45-9708-019B960494DF}">
-                <a14:hiddenLine xmlns:a14="http://schemas.microsoft.com/office/drawing/2010/main" xmlns="" w="9525">
+                <a14:hiddenLine xmlns="" xmlns:a14="http://schemas.microsoft.com/office/drawing/2010/main" w="9525">
                   <a:solidFill>
                     <a:srgbClr val="000000"/>
                   </a:solidFill>
@@ -2159,7 +2164,7 @@
             </a:ln>
             <a:extLst>
               <a:ext uri="{91240B29-F687-4f45-9708-019B960494DF}">
-                <a14:hiddenLine xmlns:a14="http://schemas.microsoft.com/office/drawing/2010/main" xmlns="" w="9525">
+                <a14:hiddenLine xmlns="" xmlns:a14="http://schemas.microsoft.com/office/drawing/2010/main" w="9525">
                   <a:solidFill>
                     <a:srgbClr val="000000"/>
                   </a:solidFill>
@@ -2227,7 +2232,7 @@
             </a:ln>
             <a:extLst>
               <a:ext uri="{91240B29-F687-4f45-9708-019B960494DF}">
-                <a14:hiddenLine xmlns:a14="http://schemas.microsoft.com/office/drawing/2010/main" xmlns="" w="9525">
+                <a14:hiddenLine xmlns="" xmlns:a14="http://schemas.microsoft.com/office/drawing/2010/main" w="9525">
                   <a:solidFill>
                     <a:srgbClr val="000000"/>
                   </a:solidFill>
@@ -2317,7 +2322,7 @@
             </a:ln>
             <a:extLst>
               <a:ext uri="{91240B29-F687-4f45-9708-019B960494DF}">
-                <a14:hiddenLine xmlns:a14="http://schemas.microsoft.com/office/drawing/2010/main" xmlns="" w="9525">
+                <a14:hiddenLine xmlns="" xmlns:a14="http://schemas.microsoft.com/office/drawing/2010/main" w="9525">
                   <a:solidFill>
                     <a:srgbClr val="000000"/>
                   </a:solidFill>
@@ -2351,7 +2356,7 @@
             </a:ln>
             <a:extLst>
               <a:ext uri="{91240B29-F687-4f45-9708-019B960494DF}">
-                <a14:hiddenLine xmlns:a14="http://schemas.microsoft.com/office/drawing/2010/main" xmlns="" w="9525">
+                <a14:hiddenLine xmlns="" xmlns:a14="http://schemas.microsoft.com/office/drawing/2010/main" w="9525">
                   <a:solidFill>
                     <a:srgbClr val="000000"/>
                   </a:solidFill>
@@ -2441,7 +2446,7 @@
             </a:ln>
             <a:extLst>
               <a:ext uri="{91240B29-F687-4f45-9708-019B960494DF}">
-                <a14:hiddenLine xmlns:a14="http://schemas.microsoft.com/office/drawing/2010/main" xmlns="" w="9525">
+                <a14:hiddenLine xmlns="" xmlns:a14="http://schemas.microsoft.com/office/drawing/2010/main" w="9525">
                   <a:solidFill>
                     <a:srgbClr val="000000"/>
                   </a:solidFill>
@@ -2503,7 +2508,7 @@
             </a:ln>
             <a:extLst>
               <a:ext uri="{91240B29-F687-4f45-9708-019B960494DF}">
-                <a14:hiddenLine xmlns:a14="http://schemas.microsoft.com/office/drawing/2010/main" xmlns="" w="9525">
+                <a14:hiddenLine xmlns="" xmlns:a14="http://schemas.microsoft.com/office/drawing/2010/main" w="9525">
                   <a:solidFill>
                     <a:srgbClr val="000000"/>
                   </a:solidFill>
@@ -2565,7 +2570,7 @@
             </a:ln>
             <a:extLst>
               <a:ext uri="{91240B29-F687-4f45-9708-019B960494DF}">
-                <a14:hiddenLine xmlns:a14="http://schemas.microsoft.com/office/drawing/2010/main" xmlns="" w="9525">
+                <a14:hiddenLine xmlns="" xmlns:a14="http://schemas.microsoft.com/office/drawing/2010/main" w="9525">
                   <a:solidFill>
                     <a:srgbClr val="000000"/>
                   </a:solidFill>
@@ -2655,7 +2660,7 @@
             </a:ln>
             <a:extLst>
               <a:ext uri="{91240B29-F687-4f45-9708-019B960494DF}">
-                <a14:hiddenLine xmlns:a14="http://schemas.microsoft.com/office/drawing/2010/main" xmlns="" w="9525">
+                <a14:hiddenLine xmlns="" xmlns:a14="http://schemas.microsoft.com/office/drawing/2010/main" w="9525">
                   <a:solidFill>
                     <a:srgbClr val="000000"/>
                   </a:solidFill>
@@ -2723,7 +2728,7 @@
             </a:ln>
             <a:extLst>
               <a:ext uri="{91240B29-F687-4f45-9708-019B960494DF}">
-                <a14:hiddenLine xmlns:a14="http://schemas.microsoft.com/office/drawing/2010/main" xmlns="" w="9525">
+                <a14:hiddenLine xmlns="" xmlns:a14="http://schemas.microsoft.com/office/drawing/2010/main" w="9525">
                   <a:solidFill>
                     <a:srgbClr val="000000"/>
                   </a:solidFill>
@@ -2785,7 +2790,7 @@
             </a:ln>
             <a:extLst>
               <a:ext uri="{91240B29-F687-4f45-9708-019B960494DF}">
-                <a14:hiddenLine xmlns:a14="http://schemas.microsoft.com/office/drawing/2010/main" xmlns="" w="9525">
+                <a14:hiddenLine xmlns="" xmlns:a14="http://schemas.microsoft.com/office/drawing/2010/main" w="9525">
                   <a:solidFill>
                     <a:srgbClr val="000000"/>
                   </a:solidFill>
@@ -2875,7 +2880,7 @@
             </a:ln>
             <a:extLst>
               <a:ext uri="{91240B29-F687-4f45-9708-019B960494DF}">
-                <a14:hiddenLine xmlns:a14="http://schemas.microsoft.com/office/drawing/2010/main" xmlns="" w="9525">
+                <a14:hiddenLine xmlns="" xmlns:a14="http://schemas.microsoft.com/office/drawing/2010/main" w="9525">
                   <a:solidFill>
                     <a:srgbClr val="000000"/>
                   </a:solidFill>
@@ -2937,7 +2942,7 @@
             </a:ln>
             <a:extLst>
               <a:ext uri="{91240B29-F687-4f45-9708-019B960494DF}">
-                <a14:hiddenLine xmlns:a14="http://schemas.microsoft.com/office/drawing/2010/main" xmlns="" w="9525">
+                <a14:hiddenLine xmlns="" xmlns:a14="http://schemas.microsoft.com/office/drawing/2010/main" w="9525">
                   <a:solidFill>
                     <a:srgbClr val="000000"/>
                   </a:solidFill>
@@ -3027,7 +3032,7 @@
             </a:ln>
             <a:extLst>
               <a:ext uri="{91240B29-F687-4f45-9708-019B960494DF}">
-                <a14:hiddenLine xmlns:a14="http://schemas.microsoft.com/office/drawing/2010/main" xmlns="" w="9525">
+                <a14:hiddenLine xmlns="" xmlns:a14="http://schemas.microsoft.com/office/drawing/2010/main" w="9525">
                   <a:solidFill>
                     <a:srgbClr val="000000"/>
                   </a:solidFill>
@@ -3089,7 +3094,7 @@
             </a:ln>
             <a:extLst>
               <a:ext uri="{91240B29-F687-4f45-9708-019B960494DF}">
-                <a14:hiddenLine xmlns:a14="http://schemas.microsoft.com/office/drawing/2010/main" xmlns="" w="9525">
+                <a14:hiddenLine xmlns="" xmlns:a14="http://schemas.microsoft.com/office/drawing/2010/main" w="9525">
                   <a:solidFill>
                     <a:srgbClr val="000000"/>
                   </a:solidFill>
@@ -3179,7 +3184,7 @@
             </a:ln>
             <a:extLst>
               <a:ext uri="{91240B29-F687-4f45-9708-019B960494DF}">
-                <a14:hiddenLine xmlns:a14="http://schemas.microsoft.com/office/drawing/2010/main" xmlns="" w="9525">
+                <a14:hiddenLine xmlns="" xmlns:a14="http://schemas.microsoft.com/office/drawing/2010/main" w="9525">
                   <a:solidFill>
                     <a:srgbClr val="000000"/>
                   </a:solidFill>
@@ -3213,7 +3218,7 @@
             </a:ln>
             <a:extLst>
               <a:ext uri="{91240B29-F687-4f45-9708-019B960494DF}">
-                <a14:hiddenLine xmlns:a14="http://schemas.microsoft.com/office/drawing/2010/main" xmlns="" w="9525">
+                <a14:hiddenLine xmlns="" xmlns:a14="http://schemas.microsoft.com/office/drawing/2010/main" w="9525">
                   <a:solidFill>
                     <a:srgbClr val="000000"/>
                   </a:solidFill>
@@ -3278,7 +3283,7 @@
             </a:ln>
             <a:extLst>
               <a:ext uri="{91240B29-F687-4f45-9708-019B960494DF}">
-                <a14:hiddenLine xmlns:a14="http://schemas.microsoft.com/office/drawing/2010/main" xmlns="" w="9525">
+                <a14:hiddenLine xmlns="" xmlns:a14="http://schemas.microsoft.com/office/drawing/2010/main" w="9525">
                   <a:solidFill>
                     <a:srgbClr val="000000"/>
                   </a:solidFill>
@@ -3368,7 +3373,7 @@
             </a:ln>
             <a:extLst>
               <a:ext uri="{91240B29-F687-4f45-9708-019B960494DF}">
-                <a14:hiddenLine xmlns:a14="http://schemas.microsoft.com/office/drawing/2010/main" xmlns="" w="9525">
+                <a14:hiddenLine xmlns="" xmlns:a14="http://schemas.microsoft.com/office/drawing/2010/main" w="9525">
                   <a:solidFill>
                     <a:srgbClr val="000000"/>
                   </a:solidFill>
@@ -3430,7 +3435,7 @@
             </a:ln>
             <a:extLst>
               <a:ext uri="{91240B29-F687-4f45-9708-019B960494DF}">
-                <a14:hiddenLine xmlns:a14="http://schemas.microsoft.com/office/drawing/2010/main" xmlns="" w="9525">
+                <a14:hiddenLine xmlns="" xmlns:a14="http://schemas.microsoft.com/office/drawing/2010/main" w="9525">
                   <a:solidFill>
                     <a:srgbClr val="000000"/>
                   </a:solidFill>
@@ -3520,7 +3525,7 @@
             </a:ln>
             <a:extLst>
               <a:ext uri="{91240B29-F687-4f45-9708-019B960494DF}">
-                <a14:hiddenLine xmlns:a14="http://schemas.microsoft.com/office/drawing/2010/main" xmlns="" w="9525">
+                <a14:hiddenLine xmlns="" xmlns:a14="http://schemas.microsoft.com/office/drawing/2010/main" w="9525">
                   <a:solidFill>
                     <a:srgbClr val="000000"/>
                   </a:solidFill>
@@ -3610,7 +3615,7 @@
             </a:ln>
             <a:extLst>
               <a:ext uri="{91240B29-F687-4f45-9708-019B960494DF}">
-                <a14:hiddenLine xmlns:a14="http://schemas.microsoft.com/office/drawing/2010/main" xmlns="" w="9525">
+                <a14:hiddenLine xmlns="" xmlns:a14="http://schemas.microsoft.com/office/drawing/2010/main" w="9525">
                   <a:solidFill>
                     <a:srgbClr val="000000"/>
                   </a:solidFill>
@@ -3675,7 +3680,7 @@
             </a:ln>
             <a:extLst>
               <a:ext uri="{91240B29-F687-4f45-9708-019B960494DF}">
-                <a14:hiddenLine xmlns:a14="http://schemas.microsoft.com/office/drawing/2010/main" xmlns="" w="9525">
+                <a14:hiddenLine xmlns="" xmlns:a14="http://schemas.microsoft.com/office/drawing/2010/main" w="9525">
                   <a:solidFill>
                     <a:srgbClr val="000000"/>
                   </a:solidFill>
@@ -3737,7 +3742,7 @@
             </a:ln>
             <a:extLst>
               <a:ext uri="{91240B29-F687-4f45-9708-019B960494DF}">
-                <a14:hiddenLine xmlns:a14="http://schemas.microsoft.com/office/drawing/2010/main" xmlns="" w="9525">
+                <a14:hiddenLine xmlns="" xmlns:a14="http://schemas.microsoft.com/office/drawing/2010/main" w="9525">
                   <a:solidFill>
                     <a:srgbClr val="000000"/>
                   </a:solidFill>
@@ -3827,7 +3832,7 @@
             </a:ln>
             <a:extLst>
               <a:ext uri="{91240B29-F687-4f45-9708-019B960494DF}">
-                <a14:hiddenLine xmlns:a14="http://schemas.microsoft.com/office/drawing/2010/main" xmlns="" w="9525">
+                <a14:hiddenLine xmlns="" xmlns:a14="http://schemas.microsoft.com/office/drawing/2010/main" w="9525">
                   <a:solidFill>
                     <a:srgbClr val="000000"/>
                   </a:solidFill>
@@ -3917,7 +3922,7 @@
             </a:ln>
             <a:extLst>
               <a:ext uri="{91240B29-F687-4f45-9708-019B960494DF}">
-                <a14:hiddenLine xmlns:a14="http://schemas.microsoft.com/office/drawing/2010/main" xmlns="" w="9525">
+                <a14:hiddenLine xmlns="" xmlns:a14="http://schemas.microsoft.com/office/drawing/2010/main" w="9525">
                   <a:solidFill>
                     <a:srgbClr val="000000"/>
                   </a:solidFill>
@@ -3979,7 +3984,7 @@
             </a:ln>
             <a:extLst>
               <a:ext uri="{91240B29-F687-4f45-9708-019B960494DF}">
-                <a14:hiddenLine xmlns:a14="http://schemas.microsoft.com/office/drawing/2010/main" xmlns="" w="9525">
+                <a14:hiddenLine xmlns="" xmlns:a14="http://schemas.microsoft.com/office/drawing/2010/main" w="9525">
                   <a:solidFill>
                     <a:srgbClr val="000000"/>
                   </a:solidFill>
@@ -4099,7 +4104,7 @@
             </a:ln>
             <a:extLst>
               <a:ext uri="{91240B29-F687-4f45-9708-019B960494DF}">
-                <a14:hiddenLine xmlns:a14="http://schemas.microsoft.com/office/drawing/2010/main" xmlns="" w="9525">
+                <a14:hiddenLine xmlns="" xmlns:a14="http://schemas.microsoft.com/office/drawing/2010/main" w="9525">
                   <a:solidFill>
                     <a:srgbClr val="000000"/>
                   </a:solidFill>
@@ -4167,7 +4172,7 @@
             </a:ln>
             <a:extLst>
               <a:ext uri="{91240B29-F687-4f45-9708-019B960494DF}">
-                <a14:hiddenLine xmlns:a14="http://schemas.microsoft.com/office/drawing/2010/main" xmlns="" w="9525">
+                <a14:hiddenLine xmlns="" xmlns:a14="http://schemas.microsoft.com/office/drawing/2010/main" w="9525">
                   <a:solidFill>
                     <a:srgbClr val="000000"/>
                   </a:solidFill>
@@ -4257,7 +4262,7 @@
             </a:ln>
             <a:extLst>
               <a:ext uri="{91240B29-F687-4f45-9708-019B960494DF}">
-                <a14:hiddenLine xmlns:a14="http://schemas.microsoft.com/office/drawing/2010/main" xmlns="" w="9525">
+                <a14:hiddenLine xmlns="" xmlns:a14="http://schemas.microsoft.com/office/drawing/2010/main" w="9525">
                   <a:solidFill>
                     <a:srgbClr val="000000"/>
                   </a:solidFill>
@@ -8986,7 +8991,7 @@
           <a:noFill/>
           <a:extLst>
             <a:ext uri="{909E8E84-426E-40dd-AFC4-6F175D3DCCD1}">
-              <a14:hiddenFill xmlns:a14="http://schemas.microsoft.com/office/drawing/2010/main" xmlns="">
+              <a14:hiddenFill xmlns="" xmlns:a14="http://schemas.microsoft.com/office/drawing/2010/main">
                 <a:solidFill>
                   <a:srgbClr val="FFFFFF"/>
                 </a:solidFill>
@@ -9060,7 +9065,7 @@
               </a:ln>
               <a:extLst>
                 <a:ext uri="{91240B29-F687-4f45-9708-019B960494DF}">
-                  <a14:hiddenLine xmlns:a14="http://schemas.microsoft.com/office/drawing/2010/main" xmlns="" w="9525">
+                  <a14:hiddenLine xmlns="" xmlns:a14="http://schemas.microsoft.com/office/drawing/2010/main" w="9525">
                     <a:solidFill>
                       <a:srgbClr val="000000"/>
                     </a:solidFill>
@@ -9150,7 +9155,7 @@
               </a:ln>
               <a:extLst>
                 <a:ext uri="{91240B29-F687-4f45-9708-019B960494DF}">
-                  <a14:hiddenLine xmlns:a14="http://schemas.microsoft.com/office/drawing/2010/main" xmlns="" w="9525">
+                  <a14:hiddenLine xmlns="" xmlns:a14="http://schemas.microsoft.com/office/drawing/2010/main" w="9525">
                     <a:solidFill>
                       <a:srgbClr val="000000"/>
                     </a:solidFill>
@@ -9240,7 +9245,7 @@
               </a:ln>
               <a:extLst>
                 <a:ext uri="{91240B29-F687-4f45-9708-019B960494DF}">
-                  <a14:hiddenLine xmlns:a14="http://schemas.microsoft.com/office/drawing/2010/main" xmlns="" w="9525">
+                  <a14:hiddenLine xmlns="" xmlns:a14="http://schemas.microsoft.com/office/drawing/2010/main" w="9525">
                     <a:solidFill>
                       <a:srgbClr val="000000"/>
                     </a:solidFill>
@@ -9302,7 +9307,7 @@
               </a:ln>
               <a:extLst>
                 <a:ext uri="{91240B29-F687-4f45-9708-019B960494DF}">
-                  <a14:hiddenLine xmlns:a14="http://schemas.microsoft.com/office/drawing/2010/main" xmlns="" w="9525">
+                  <a14:hiddenLine xmlns="" xmlns:a14="http://schemas.microsoft.com/office/drawing/2010/main" w="9525">
                     <a:solidFill>
                       <a:srgbClr val="000000"/>
                     </a:solidFill>
@@ -9392,7 +9397,7 @@
               </a:ln>
               <a:extLst>
                 <a:ext uri="{91240B29-F687-4f45-9708-019B960494DF}">
-                  <a14:hiddenLine xmlns:a14="http://schemas.microsoft.com/office/drawing/2010/main" xmlns="" w="9525">
+                  <a14:hiddenLine xmlns="" xmlns:a14="http://schemas.microsoft.com/office/drawing/2010/main" w="9525">
                     <a:solidFill>
                       <a:srgbClr val="000000"/>
                     </a:solidFill>
@@ -9454,7 +9459,7 @@
               </a:ln>
               <a:extLst>
                 <a:ext uri="{91240B29-F687-4f45-9708-019B960494DF}">
-                  <a14:hiddenLine xmlns:a14="http://schemas.microsoft.com/office/drawing/2010/main" xmlns="" w="9525">
+                  <a14:hiddenLine xmlns="" xmlns:a14="http://schemas.microsoft.com/office/drawing/2010/main" w="9525">
                     <a:solidFill>
                       <a:srgbClr val="000000"/>
                     </a:solidFill>
@@ -9516,7 +9521,7 @@
               </a:ln>
               <a:extLst>
                 <a:ext uri="{91240B29-F687-4f45-9708-019B960494DF}">
-                  <a14:hiddenLine xmlns:a14="http://schemas.microsoft.com/office/drawing/2010/main" xmlns="" w="9525">
+                  <a14:hiddenLine xmlns="" xmlns:a14="http://schemas.microsoft.com/office/drawing/2010/main" w="9525">
                     <a:solidFill>
                       <a:srgbClr val="000000"/>
                     </a:solidFill>
@@ -9606,7 +9611,7 @@
               </a:ln>
               <a:extLst>
                 <a:ext uri="{91240B29-F687-4f45-9708-019B960494DF}">
-                  <a14:hiddenLine xmlns:a14="http://schemas.microsoft.com/office/drawing/2010/main" xmlns="" w="9525">
+                  <a14:hiddenLine xmlns="" xmlns:a14="http://schemas.microsoft.com/office/drawing/2010/main" w="9525">
                     <a:solidFill>
                       <a:srgbClr val="000000"/>
                     </a:solidFill>
@@ -9696,7 +9701,7 @@
               </a:ln>
               <a:extLst>
                 <a:ext uri="{91240B29-F687-4f45-9708-019B960494DF}">
-                  <a14:hiddenLine xmlns:a14="http://schemas.microsoft.com/office/drawing/2010/main" xmlns="" w="9525">
+                  <a14:hiddenLine xmlns="" xmlns:a14="http://schemas.microsoft.com/office/drawing/2010/main" w="9525">
                     <a:solidFill>
                       <a:srgbClr val="000000"/>
                     </a:solidFill>
@@ -9758,7 +9763,7 @@
               </a:ln>
               <a:extLst>
                 <a:ext uri="{91240B29-F687-4f45-9708-019B960494DF}">
-                  <a14:hiddenLine xmlns:a14="http://schemas.microsoft.com/office/drawing/2010/main" xmlns="" w="9525">
+                  <a14:hiddenLine xmlns="" xmlns:a14="http://schemas.microsoft.com/office/drawing/2010/main" w="9525">
                     <a:solidFill>
                       <a:srgbClr val="000000"/>
                     </a:solidFill>
@@ -9868,7 +9873,7 @@
               </a:ln>
               <a:extLst>
                 <a:ext uri="{91240B29-F687-4f45-9708-019B960494DF}">
-                  <a14:hiddenLine xmlns:a14="http://schemas.microsoft.com/office/drawing/2010/main" xmlns="" w="9525">
+                  <a14:hiddenLine xmlns="" xmlns:a14="http://schemas.microsoft.com/office/drawing/2010/main" w="9525">
                     <a:solidFill>
                       <a:srgbClr val="000000"/>
                     </a:solidFill>
@@ -9952,7 +9957,7 @@
               </a:ln>
               <a:extLst>
                 <a:ext uri="{91240B29-F687-4f45-9708-019B960494DF}">
-                  <a14:hiddenLine xmlns:a14="http://schemas.microsoft.com/office/drawing/2010/main" xmlns="" w="9525">
+                  <a14:hiddenLine xmlns="" xmlns:a14="http://schemas.microsoft.com/office/drawing/2010/main" w="9525">
                     <a:solidFill>
                       <a:srgbClr val="000000"/>
                     </a:solidFill>
@@ -10014,7 +10019,7 @@
               </a:ln>
               <a:extLst>
                 <a:ext uri="{91240B29-F687-4f45-9708-019B960494DF}">
-                  <a14:hiddenLine xmlns:a14="http://schemas.microsoft.com/office/drawing/2010/main" xmlns="" w="9525">
+                  <a14:hiddenLine xmlns="" xmlns:a14="http://schemas.microsoft.com/office/drawing/2010/main" w="9525">
                     <a:solidFill>
                       <a:srgbClr val="000000"/>
                     </a:solidFill>
@@ -10076,7 +10081,7 @@
               </a:ln>
               <a:extLst>
                 <a:ext uri="{91240B29-F687-4f45-9708-019B960494DF}">
-                  <a14:hiddenLine xmlns:a14="http://schemas.microsoft.com/office/drawing/2010/main" xmlns="" w="9525">
+                  <a14:hiddenLine xmlns="" xmlns:a14="http://schemas.microsoft.com/office/drawing/2010/main" w="9525">
                     <a:solidFill>
                       <a:srgbClr val="000000"/>
                     </a:solidFill>
@@ -10166,7 +10171,7 @@
               </a:ln>
               <a:extLst>
                 <a:ext uri="{91240B29-F687-4f45-9708-019B960494DF}">
-                  <a14:hiddenLine xmlns:a14="http://schemas.microsoft.com/office/drawing/2010/main" xmlns="" w="9525">
+                  <a14:hiddenLine xmlns="" xmlns:a14="http://schemas.microsoft.com/office/drawing/2010/main" w="9525">
                     <a:solidFill>
                       <a:srgbClr val="000000"/>
                     </a:solidFill>
@@ -10200,7 +10205,7 @@
               </a:ln>
               <a:extLst>
                 <a:ext uri="{91240B29-F687-4f45-9708-019B960494DF}">
-                  <a14:hiddenLine xmlns:a14="http://schemas.microsoft.com/office/drawing/2010/main" xmlns="" w="9525">
+                  <a14:hiddenLine xmlns="" xmlns:a14="http://schemas.microsoft.com/office/drawing/2010/main" w="9525">
                     <a:solidFill>
                       <a:srgbClr val="000000"/>
                     </a:solidFill>
@@ -10265,7 +10270,7 @@
               </a:ln>
               <a:extLst>
                 <a:ext uri="{91240B29-F687-4f45-9708-019B960494DF}">
-                  <a14:hiddenLine xmlns:a14="http://schemas.microsoft.com/office/drawing/2010/main" xmlns="" w="9525">
+                  <a14:hiddenLine xmlns="" xmlns:a14="http://schemas.microsoft.com/office/drawing/2010/main" w="9525">
                     <a:solidFill>
                       <a:srgbClr val="000000"/>
                     </a:solidFill>
@@ -10355,7 +10360,7 @@
               </a:ln>
               <a:extLst>
                 <a:ext uri="{91240B29-F687-4f45-9708-019B960494DF}">
-                  <a14:hiddenLine xmlns:a14="http://schemas.microsoft.com/office/drawing/2010/main" xmlns="" w="9525">
+                  <a14:hiddenLine xmlns="" xmlns:a14="http://schemas.microsoft.com/office/drawing/2010/main" w="9525">
                     <a:solidFill>
                       <a:srgbClr val="000000"/>
                     </a:solidFill>
@@ -10417,7 +10422,7 @@
               </a:ln>
               <a:extLst>
                 <a:ext uri="{91240B29-F687-4f45-9708-019B960494DF}">
-                  <a14:hiddenLine xmlns:a14="http://schemas.microsoft.com/office/drawing/2010/main" xmlns="" w="9525">
+                  <a14:hiddenLine xmlns="" xmlns:a14="http://schemas.microsoft.com/office/drawing/2010/main" w="9525">
                     <a:solidFill>
                       <a:srgbClr val="000000"/>
                     </a:solidFill>
@@ -10507,7 +10512,7 @@
               </a:ln>
               <a:extLst>
                 <a:ext uri="{91240B29-F687-4f45-9708-019B960494DF}">
-                  <a14:hiddenLine xmlns:a14="http://schemas.microsoft.com/office/drawing/2010/main" xmlns="" w="9525">
+                  <a14:hiddenLine xmlns="" xmlns:a14="http://schemas.microsoft.com/office/drawing/2010/main" w="9525">
                     <a:solidFill>
                       <a:srgbClr val="000000"/>
                     </a:solidFill>
@@ -10572,7 +10577,7 @@
               </a:ln>
               <a:extLst>
                 <a:ext uri="{91240B29-F687-4f45-9708-019B960494DF}">
-                  <a14:hiddenLine xmlns:a14="http://schemas.microsoft.com/office/drawing/2010/main" xmlns="" w="9525">
+                  <a14:hiddenLine xmlns="" xmlns:a14="http://schemas.microsoft.com/office/drawing/2010/main" w="9525">
                     <a:solidFill>
                       <a:srgbClr val="000000"/>
                     </a:solidFill>
@@ -10634,7 +10639,7 @@
               </a:ln>
               <a:extLst>
                 <a:ext uri="{91240B29-F687-4f45-9708-019B960494DF}">
-                  <a14:hiddenLine xmlns:a14="http://schemas.microsoft.com/office/drawing/2010/main" xmlns="" w="9525">
+                  <a14:hiddenLine xmlns="" xmlns:a14="http://schemas.microsoft.com/office/drawing/2010/main" w="9525">
                     <a:solidFill>
                       <a:srgbClr val="000000"/>
                     </a:solidFill>
@@ -10724,7 +10729,7 @@
               </a:ln>
               <a:extLst>
                 <a:ext uri="{91240B29-F687-4f45-9708-019B960494DF}">
-                  <a14:hiddenLine xmlns:a14="http://schemas.microsoft.com/office/drawing/2010/main" xmlns="" w="9525">
+                  <a14:hiddenLine xmlns="" xmlns:a14="http://schemas.microsoft.com/office/drawing/2010/main" w="9525">
                     <a:solidFill>
                       <a:srgbClr val="000000"/>
                     </a:solidFill>
@@ -10814,7 +10819,7 @@
               </a:ln>
               <a:extLst>
                 <a:ext uri="{91240B29-F687-4f45-9708-019B960494DF}">
-                  <a14:hiddenLine xmlns:a14="http://schemas.microsoft.com/office/drawing/2010/main" xmlns="" w="9525">
+                  <a14:hiddenLine xmlns="" xmlns:a14="http://schemas.microsoft.com/office/drawing/2010/main" w="9525">
                     <a:solidFill>
                       <a:srgbClr val="000000"/>
                     </a:solidFill>
@@ -10879,7 +10884,7 @@
               </a:ln>
               <a:extLst>
                 <a:ext uri="{91240B29-F687-4f45-9708-019B960494DF}">
-                  <a14:hiddenLine xmlns:a14="http://schemas.microsoft.com/office/drawing/2010/main" xmlns="" w="9525">
+                  <a14:hiddenLine xmlns="" xmlns:a14="http://schemas.microsoft.com/office/drawing/2010/main" w="9525">
                     <a:solidFill>
                       <a:srgbClr val="000000"/>
                     </a:solidFill>
@@ -10999,7 +11004,7 @@
               </a:ln>
               <a:extLst>
                 <a:ext uri="{91240B29-F687-4f45-9708-019B960494DF}">
-                  <a14:hiddenLine xmlns:a14="http://schemas.microsoft.com/office/drawing/2010/main" xmlns="" w="9525">
+                  <a14:hiddenLine xmlns="" xmlns:a14="http://schemas.microsoft.com/office/drawing/2010/main" w="9525">
                     <a:solidFill>
                       <a:srgbClr val="000000"/>
                     </a:solidFill>
@@ -11080,7 +11085,7 @@
               </a:ln>
               <a:extLst>
                 <a:ext uri="{91240B29-F687-4f45-9708-019B960494DF}">
-                  <a14:hiddenLine xmlns:a14="http://schemas.microsoft.com/office/drawing/2010/main" xmlns="" w="9525">
+                  <a14:hiddenLine xmlns="" xmlns:a14="http://schemas.microsoft.com/office/drawing/2010/main" w="9525">
                     <a:solidFill>
                       <a:srgbClr val="000000"/>
                     </a:solidFill>
@@ -11195,7 +11200,7 @@
               </a:ln>
               <a:extLst>
                 <a:ext uri="{91240B29-F687-4f45-9708-019B960494DF}">
-                  <a14:hiddenLine xmlns:a14="http://schemas.microsoft.com/office/drawing/2010/main" xmlns="" w="9525">
+                  <a14:hiddenLine xmlns="" xmlns:a14="http://schemas.microsoft.com/office/drawing/2010/main" w="9525">
                     <a:solidFill>
                       <a:srgbClr val="000000"/>
                     </a:solidFill>
@@ -11285,7 +11290,7 @@
               </a:ln>
               <a:extLst>
                 <a:ext uri="{91240B29-F687-4f45-9708-019B960494DF}">
-                  <a14:hiddenLine xmlns:a14="http://schemas.microsoft.com/office/drawing/2010/main" xmlns="" w="9525">
+                  <a14:hiddenLine xmlns="" xmlns:a14="http://schemas.microsoft.com/office/drawing/2010/main" w="9525">
                     <a:solidFill>
                       <a:srgbClr val="000000"/>
                     </a:solidFill>
@@ -11350,7 +11355,7 @@
               </a:ln>
               <a:extLst>
                 <a:ext uri="{91240B29-F687-4f45-9708-019B960494DF}">
-                  <a14:hiddenLine xmlns:a14="http://schemas.microsoft.com/office/drawing/2010/main" xmlns="" w="9525">
+                  <a14:hiddenLine xmlns="" xmlns:a14="http://schemas.microsoft.com/office/drawing/2010/main" w="9525">
                     <a:solidFill>
                       <a:srgbClr val="000000"/>
                     </a:solidFill>
@@ -11440,7 +11445,7 @@
               </a:ln>
               <a:extLst>
                 <a:ext uri="{91240B29-F687-4f45-9708-019B960494DF}">
-                  <a14:hiddenLine xmlns:a14="http://schemas.microsoft.com/office/drawing/2010/main" xmlns="" w="9525">
+                  <a14:hiddenLine xmlns="" xmlns:a14="http://schemas.microsoft.com/office/drawing/2010/main" w="9525">
                     <a:solidFill>
                       <a:srgbClr val="000000"/>
                     </a:solidFill>
@@ -11508,7 +11513,7 @@
               </a:ln>
               <a:extLst>
                 <a:ext uri="{91240B29-F687-4f45-9708-019B960494DF}">
-                  <a14:hiddenLine xmlns:a14="http://schemas.microsoft.com/office/drawing/2010/main" xmlns="" w="9525">
+                  <a14:hiddenLine xmlns="" xmlns:a14="http://schemas.microsoft.com/office/drawing/2010/main" w="9525">
                     <a:solidFill>
                       <a:srgbClr val="000000"/>
                     </a:solidFill>
@@ -11598,7 +11603,7 @@
               </a:ln>
               <a:extLst>
                 <a:ext uri="{91240B29-F687-4f45-9708-019B960494DF}">
-                  <a14:hiddenLine xmlns:a14="http://schemas.microsoft.com/office/drawing/2010/main" xmlns="" w="9525">
+                  <a14:hiddenLine xmlns="" xmlns:a14="http://schemas.microsoft.com/office/drawing/2010/main" w="9525">
                     <a:solidFill>
                       <a:srgbClr val="000000"/>
                     </a:solidFill>
@@ -11666,7 +11671,7 @@
               </a:ln>
               <a:extLst>
                 <a:ext uri="{91240B29-F687-4f45-9708-019B960494DF}">
-                  <a14:hiddenLine xmlns:a14="http://schemas.microsoft.com/office/drawing/2010/main" xmlns="" w="9525">
+                  <a14:hiddenLine xmlns="" xmlns:a14="http://schemas.microsoft.com/office/drawing/2010/main" w="9525">
                     <a:solidFill>
                       <a:srgbClr val="000000"/>
                     </a:solidFill>
@@ -11756,7 +11761,7 @@
               </a:ln>
               <a:extLst>
                 <a:ext uri="{91240B29-F687-4f45-9708-019B960494DF}">
-                  <a14:hiddenLine xmlns:a14="http://schemas.microsoft.com/office/drawing/2010/main" xmlns="" w="9525">
+                  <a14:hiddenLine xmlns="" xmlns:a14="http://schemas.microsoft.com/office/drawing/2010/main" w="9525">
                     <a:solidFill>
                       <a:srgbClr val="000000"/>
                     </a:solidFill>
@@ -11790,7 +11795,7 @@
               </a:ln>
               <a:extLst>
                 <a:ext uri="{91240B29-F687-4f45-9708-019B960494DF}">
-                  <a14:hiddenLine xmlns:a14="http://schemas.microsoft.com/office/drawing/2010/main" xmlns="" w="9525">
+                  <a14:hiddenLine xmlns="" xmlns:a14="http://schemas.microsoft.com/office/drawing/2010/main" w="9525">
                     <a:solidFill>
                       <a:srgbClr val="000000"/>
                     </a:solidFill>
@@ -13695,7 +13700,12 @@
             <p:ph idx="1"/>
           </p:nvPr>
         </p:nvSpPr>
-        <p:spPr/>
+        <p:spPr>
+          <a:xfrm>
+            <a:off x="1141412" y="2249487"/>
+            <a:ext cx="9905999" cy="3541714"/>
+          </a:xfrm>
+        </p:spPr>
         <p:txBody>
           <a:bodyPr/>
           <a:lstStyle/>
@@ -14538,6 +14548,390 @@
           </a:fontRef>
         </p:style>
       </p:cxnSp>
+      <p:sp>
+        <p:nvSpPr>
+          <p:cNvPr id="8" name="TextovéPole 7">
+            <a:extLst>
+              <a:ext uri="{FF2B5EF4-FFF2-40B4-BE49-F238E27FC236}">
+                <a16:creationId xmlns:a16="http://schemas.microsoft.com/office/drawing/2014/main" id="{EFA32E63-B4FB-4393-9442-81BF824BCD7A}"/>
+              </a:ext>
+            </a:extLst>
+          </p:cNvPr>
+          <p:cNvSpPr txBox="1"/>
+          <p:nvPr/>
+        </p:nvSpPr>
+        <p:spPr>
+          <a:xfrm>
+            <a:off x="5939044" y="2838650"/>
+            <a:ext cx="118913" cy="307777"/>
+          </a:xfrm>
+          <a:prstGeom prst="rect">
+            <a:avLst/>
+          </a:prstGeom>
+          <a:noFill/>
+        </p:spPr>
+        <p:txBody>
+          <a:bodyPr wrap="square" rtlCol="0">
+            <a:spAutoFit/>
+          </a:bodyPr>
+          <a:lstStyle/>
+          <a:p>
+            <a:r>
+              <a:rPr lang="en-US" sz="1400" dirty="0">
+                <a:solidFill>
+                  <a:schemeClr val="accent5">
+                    <a:lumMod val="75000"/>
+                  </a:schemeClr>
+                </a:solidFill>
+              </a:rPr>
+              <a:t>*</a:t>
+            </a:r>
+            <a:endParaRPr lang="cs-CZ" sz="1400" dirty="0">
+              <a:solidFill>
+                <a:schemeClr val="accent5">
+                  <a:lumMod val="75000"/>
+                </a:schemeClr>
+              </a:solidFill>
+            </a:endParaRPr>
+          </a:p>
+        </p:txBody>
+      </p:sp>
+      <p:sp>
+        <p:nvSpPr>
+          <p:cNvPr id="25" name="TextovéPole 24">
+            <a:extLst>
+              <a:ext uri="{FF2B5EF4-FFF2-40B4-BE49-F238E27FC236}">
+                <a16:creationId xmlns:a16="http://schemas.microsoft.com/office/drawing/2014/main" id="{50C7CA51-1E1C-452D-84C6-780FCE2FA3CE}"/>
+              </a:ext>
+            </a:extLst>
+          </p:cNvPr>
+          <p:cNvSpPr txBox="1"/>
+          <p:nvPr/>
+        </p:nvSpPr>
+        <p:spPr>
+          <a:xfrm>
+            <a:off x="5871923" y="5201945"/>
+            <a:ext cx="118913" cy="307777"/>
+          </a:xfrm>
+          <a:prstGeom prst="rect">
+            <a:avLst/>
+          </a:prstGeom>
+          <a:noFill/>
+        </p:spPr>
+        <p:txBody>
+          <a:bodyPr wrap="square" rtlCol="0">
+            <a:spAutoFit/>
+          </a:bodyPr>
+          <a:lstStyle/>
+          <a:p>
+            <a:r>
+              <a:rPr lang="en-US" sz="1400" dirty="0">
+                <a:solidFill>
+                  <a:schemeClr val="accent5">
+                    <a:lumMod val="75000"/>
+                  </a:schemeClr>
+                </a:solidFill>
+              </a:rPr>
+              <a:t>*</a:t>
+            </a:r>
+            <a:endParaRPr lang="cs-CZ" sz="1400" dirty="0">
+              <a:solidFill>
+                <a:schemeClr val="accent5">
+                  <a:lumMod val="75000"/>
+                </a:schemeClr>
+              </a:solidFill>
+            </a:endParaRPr>
+          </a:p>
+        </p:txBody>
+      </p:sp>
+      <p:sp>
+        <p:nvSpPr>
+          <p:cNvPr id="29" name="TextovéPole 28">
+            <a:extLst>
+              <a:ext uri="{FF2B5EF4-FFF2-40B4-BE49-F238E27FC236}">
+                <a16:creationId xmlns:a16="http://schemas.microsoft.com/office/drawing/2014/main" id="{630D2256-6C06-428E-9B9F-57A6269D4E00}"/>
+              </a:ext>
+            </a:extLst>
+          </p:cNvPr>
+          <p:cNvSpPr txBox="1"/>
+          <p:nvPr/>
+        </p:nvSpPr>
+        <p:spPr>
+          <a:xfrm>
+            <a:off x="2975254" y="5171531"/>
+            <a:ext cx="648859" cy="307777"/>
+          </a:xfrm>
+          <a:prstGeom prst="rect">
+            <a:avLst/>
+          </a:prstGeom>
+          <a:noFill/>
+        </p:spPr>
+        <p:txBody>
+          <a:bodyPr wrap="square" rtlCol="0">
+            <a:spAutoFit/>
+          </a:bodyPr>
+          <a:lstStyle/>
+          <a:p>
+            <a:r>
+              <a:rPr lang="en-US" sz="1400" dirty="0">
+                <a:solidFill>
+                  <a:schemeClr val="accent5">
+                    <a:lumMod val="75000"/>
+                  </a:schemeClr>
+                </a:solidFill>
+              </a:rPr>
+              <a:t>0..1</a:t>
+            </a:r>
+            <a:endParaRPr lang="cs-CZ" sz="1400" dirty="0">
+              <a:solidFill>
+                <a:schemeClr val="accent5">
+                  <a:lumMod val="75000"/>
+                </a:schemeClr>
+              </a:solidFill>
+            </a:endParaRPr>
+          </a:p>
+        </p:txBody>
+      </p:sp>
+      <p:sp>
+        <p:nvSpPr>
+          <p:cNvPr id="31" name="TextovéPole 30">
+            <a:extLst>
+              <a:ext uri="{FF2B5EF4-FFF2-40B4-BE49-F238E27FC236}">
+                <a16:creationId xmlns:a16="http://schemas.microsoft.com/office/drawing/2014/main" id="{FC3C1E1A-3DC3-48B4-AE8C-59872D2948AA}"/>
+              </a:ext>
+            </a:extLst>
+          </p:cNvPr>
+          <p:cNvSpPr txBox="1"/>
+          <p:nvPr/>
+        </p:nvSpPr>
+        <p:spPr>
+          <a:xfrm>
+            <a:off x="2846027" y="2804902"/>
+            <a:ext cx="648859" cy="307777"/>
+          </a:xfrm>
+          <a:prstGeom prst="rect">
+            <a:avLst/>
+          </a:prstGeom>
+          <a:noFill/>
+        </p:spPr>
+        <p:txBody>
+          <a:bodyPr wrap="square" rtlCol="0">
+            <a:spAutoFit/>
+          </a:bodyPr>
+          <a:lstStyle/>
+          <a:p>
+            <a:r>
+              <a:rPr lang="en-US" sz="1400" dirty="0">
+                <a:solidFill>
+                  <a:schemeClr val="accent5">
+                    <a:lumMod val="75000"/>
+                  </a:schemeClr>
+                </a:solidFill>
+              </a:rPr>
+              <a:t>1</a:t>
+            </a:r>
+            <a:endParaRPr lang="cs-CZ" sz="1400" dirty="0">
+              <a:solidFill>
+                <a:schemeClr val="accent5">
+                  <a:lumMod val="75000"/>
+                </a:schemeClr>
+              </a:solidFill>
+            </a:endParaRPr>
+          </a:p>
+        </p:txBody>
+      </p:sp>
+      <p:sp>
+        <p:nvSpPr>
+          <p:cNvPr id="33" name="TextovéPole 32">
+            <a:extLst>
+              <a:ext uri="{FF2B5EF4-FFF2-40B4-BE49-F238E27FC236}">
+                <a16:creationId xmlns:a16="http://schemas.microsoft.com/office/drawing/2014/main" id="{2F4FBAA3-9B5F-498B-82C4-873973F1201A}"/>
+              </a:ext>
+            </a:extLst>
+          </p:cNvPr>
+          <p:cNvSpPr txBox="1"/>
+          <p:nvPr/>
+        </p:nvSpPr>
+        <p:spPr>
+          <a:xfrm>
+            <a:off x="5294843" y="3069550"/>
+            <a:ext cx="648859" cy="307777"/>
+          </a:xfrm>
+          <a:prstGeom prst="rect">
+            <a:avLst/>
+          </a:prstGeom>
+          <a:noFill/>
+        </p:spPr>
+        <p:txBody>
+          <a:bodyPr wrap="square" rtlCol="0">
+            <a:spAutoFit/>
+          </a:bodyPr>
+          <a:lstStyle/>
+          <a:p>
+            <a:r>
+              <a:rPr lang="en-US" sz="1400" dirty="0">
+                <a:solidFill>
+                  <a:schemeClr val="accent5">
+                    <a:lumMod val="75000"/>
+                  </a:schemeClr>
+                </a:solidFill>
+              </a:rPr>
+              <a:t> 1</a:t>
+            </a:r>
+            <a:endParaRPr lang="cs-CZ" sz="1400" dirty="0">
+              <a:solidFill>
+                <a:schemeClr val="accent5">
+                  <a:lumMod val="75000"/>
+                </a:schemeClr>
+              </a:solidFill>
+            </a:endParaRPr>
+          </a:p>
+        </p:txBody>
+      </p:sp>
+      <p:sp>
+        <p:nvSpPr>
+          <p:cNvPr id="34" name="TextovéPole 33">
+            <a:extLst>
+              <a:ext uri="{FF2B5EF4-FFF2-40B4-BE49-F238E27FC236}">
+                <a16:creationId xmlns:a16="http://schemas.microsoft.com/office/drawing/2014/main" id="{B813C5AA-0835-4214-B343-4C64EF614C4F}"/>
+              </a:ext>
+            </a:extLst>
+          </p:cNvPr>
+          <p:cNvSpPr txBox="1"/>
+          <p:nvPr/>
+        </p:nvSpPr>
+        <p:spPr>
+          <a:xfrm>
+            <a:off x="5805072" y="3455162"/>
+            <a:ext cx="648859" cy="307777"/>
+          </a:xfrm>
+          <a:prstGeom prst="rect">
+            <a:avLst/>
+          </a:prstGeom>
+          <a:noFill/>
+        </p:spPr>
+        <p:txBody>
+          <a:bodyPr wrap="square" rtlCol="0">
+            <a:spAutoFit/>
+          </a:bodyPr>
+          <a:lstStyle/>
+          <a:p>
+            <a:r>
+              <a:rPr lang="en-US" sz="1400" dirty="0">
+                <a:solidFill>
+                  <a:schemeClr val="accent5">
+                    <a:lumMod val="75000"/>
+                  </a:schemeClr>
+                </a:solidFill>
+              </a:rPr>
+              <a:t>*</a:t>
+            </a:r>
+            <a:endParaRPr lang="cs-CZ" sz="1400" dirty="0">
+              <a:solidFill>
+                <a:schemeClr val="accent5">
+                  <a:lumMod val="75000"/>
+                </a:schemeClr>
+              </a:solidFill>
+            </a:endParaRPr>
+          </a:p>
+        </p:txBody>
+      </p:sp>
+      <p:sp>
+        <p:nvSpPr>
+          <p:cNvPr id="35" name="TextovéPole 34">
+            <a:extLst>
+              <a:ext uri="{FF2B5EF4-FFF2-40B4-BE49-F238E27FC236}">
+                <a16:creationId xmlns:a16="http://schemas.microsoft.com/office/drawing/2014/main" id="{684F3CA9-8329-4182-82A0-8FE68C076767}"/>
+              </a:ext>
+            </a:extLst>
+          </p:cNvPr>
+          <p:cNvSpPr txBox="1"/>
+          <p:nvPr/>
+        </p:nvSpPr>
+        <p:spPr>
+          <a:xfrm>
+            <a:off x="8104532" y="3167863"/>
+            <a:ext cx="648859" cy="307777"/>
+          </a:xfrm>
+          <a:prstGeom prst="rect">
+            <a:avLst/>
+          </a:prstGeom>
+          <a:noFill/>
+        </p:spPr>
+        <p:txBody>
+          <a:bodyPr wrap="square" rtlCol="0">
+            <a:spAutoFit/>
+          </a:bodyPr>
+          <a:lstStyle/>
+          <a:p>
+            <a:r>
+              <a:rPr lang="en-US" sz="1400" dirty="0">
+                <a:solidFill>
+                  <a:schemeClr val="accent5">
+                    <a:lumMod val="75000"/>
+                  </a:schemeClr>
+                </a:solidFill>
+              </a:rPr>
+              <a:t>1</a:t>
+            </a:r>
+            <a:endParaRPr lang="cs-CZ" sz="1400" dirty="0">
+              <a:solidFill>
+                <a:schemeClr val="accent5">
+                  <a:lumMod val="75000"/>
+                </a:schemeClr>
+              </a:solidFill>
+            </a:endParaRPr>
+          </a:p>
+        </p:txBody>
+      </p:sp>
+      <p:sp>
+        <p:nvSpPr>
+          <p:cNvPr id="36" name="TextovéPole 35">
+            <a:extLst>
+              <a:ext uri="{FF2B5EF4-FFF2-40B4-BE49-F238E27FC236}">
+                <a16:creationId xmlns:a16="http://schemas.microsoft.com/office/drawing/2014/main" id="{62471DFA-C136-4479-A986-881B51AF5B28}"/>
+              </a:ext>
+            </a:extLst>
+          </p:cNvPr>
+          <p:cNvSpPr txBox="1"/>
+          <p:nvPr/>
+        </p:nvSpPr>
+        <p:spPr>
+          <a:xfrm>
+            <a:off x="7713353" y="3437097"/>
+            <a:ext cx="648859" cy="307777"/>
+          </a:xfrm>
+          <a:prstGeom prst="rect">
+            <a:avLst/>
+          </a:prstGeom>
+          <a:noFill/>
+        </p:spPr>
+        <p:txBody>
+          <a:bodyPr wrap="square" rtlCol="0">
+            <a:spAutoFit/>
+          </a:bodyPr>
+          <a:lstStyle/>
+          <a:p>
+            <a:r>
+              <a:rPr lang="en-US" sz="1400" dirty="0">
+                <a:solidFill>
+                  <a:schemeClr val="accent5">
+                    <a:lumMod val="75000"/>
+                  </a:schemeClr>
+                </a:solidFill>
+              </a:rPr>
+              <a:t>1</a:t>
+            </a:r>
+            <a:endParaRPr lang="cs-CZ" sz="1400" dirty="0">
+              <a:solidFill>
+                <a:schemeClr val="accent5">
+                  <a:lumMod val="75000"/>
+                </a:schemeClr>
+              </a:solidFill>
+            </a:endParaRPr>
+          </a:p>
+        </p:txBody>
+      </p:sp>
     </p:spTree>
     <p:extLst>
       <p:ext uri="{BB962C8B-B14F-4D97-AF65-F5344CB8AC3E}">
